--- a/CBF_verify.pptx
+++ b/CBF_verify.pptx
@@ -7,14 +7,15 @@
   <p:sldIdLst>
     <p:sldId id="256" r:id="rId2"/>
     <p:sldId id="266" r:id="rId3"/>
-    <p:sldId id="262" r:id="rId4"/>
-    <p:sldId id="263" r:id="rId5"/>
-    <p:sldId id="257" r:id="rId6"/>
-    <p:sldId id="259" r:id="rId7"/>
-    <p:sldId id="260" r:id="rId8"/>
-    <p:sldId id="261" r:id="rId9"/>
+    <p:sldId id="267" r:id="rId4"/>
+    <p:sldId id="262" r:id="rId5"/>
+    <p:sldId id="263" r:id="rId6"/>
+    <p:sldId id="257" r:id="rId7"/>
+    <p:sldId id="259" r:id="rId8"/>
+    <p:sldId id="260" r:id="rId9"/>
     <p:sldId id="264" r:id="rId10"/>
-    <p:sldId id="265" r:id="rId11"/>
+    <p:sldId id="261" r:id="rId11"/>
+    <p:sldId id="265" r:id="rId12"/>
   </p:sldIdLst>
   <p:sldSz cx="12192000" cy="6858000"/>
   <p:notesSz cx="6858000" cy="9144000"/>
@@ -113,6 +114,11 @@
       </a:defRPr>
     </a:lvl9pPr>
   </p:defaultTextStyle>
+  <p:extLst>
+    <p:ext uri="{EFAFB233-063F-42B5-8137-9DF3F51BA10A}">
+      <p15:sldGuideLst xmlns:p15="http://schemas.microsoft.com/office/powerpoint/2012/main"/>
+    </p:ext>
+  </p:extLst>
 </p:presentation>
 </file>
 
@@ -265,7 +271,7 @@
           <a:p>
             <a:fld id="{2C3E00E2-C33B-4937-9902-59678AD79668}" type="datetimeFigureOut">
               <a:rPr lang="zh-CN" altLang="en-US" smtClean="0"/>
-              <a:t>2021/10/25</a:t>
+              <a:t>2021/10/28</a:t>
             </a:fld>
             <a:endParaRPr lang="zh-CN" altLang="en-US"/>
           </a:p>
@@ -465,7 +471,7 @@
           <a:p>
             <a:fld id="{2C3E00E2-C33B-4937-9902-59678AD79668}" type="datetimeFigureOut">
               <a:rPr lang="zh-CN" altLang="en-US" smtClean="0"/>
-              <a:t>2021/10/25</a:t>
+              <a:t>2021/10/28</a:t>
             </a:fld>
             <a:endParaRPr lang="zh-CN" altLang="en-US"/>
           </a:p>
@@ -675,7 +681,7 @@
           <a:p>
             <a:fld id="{2C3E00E2-C33B-4937-9902-59678AD79668}" type="datetimeFigureOut">
               <a:rPr lang="zh-CN" altLang="en-US" smtClean="0"/>
-              <a:t>2021/10/25</a:t>
+              <a:t>2021/10/28</a:t>
             </a:fld>
             <a:endParaRPr lang="zh-CN" altLang="en-US"/>
           </a:p>
@@ -875,7 +881,7 @@
           <a:p>
             <a:fld id="{2C3E00E2-C33B-4937-9902-59678AD79668}" type="datetimeFigureOut">
               <a:rPr lang="zh-CN" altLang="en-US" smtClean="0"/>
-              <a:t>2021/10/25</a:t>
+              <a:t>2021/10/28</a:t>
             </a:fld>
             <a:endParaRPr lang="zh-CN" altLang="en-US"/>
           </a:p>
@@ -1151,7 +1157,7 @@
           <a:p>
             <a:fld id="{2C3E00E2-C33B-4937-9902-59678AD79668}" type="datetimeFigureOut">
               <a:rPr lang="zh-CN" altLang="en-US" smtClean="0"/>
-              <a:t>2021/10/25</a:t>
+              <a:t>2021/10/28</a:t>
             </a:fld>
             <a:endParaRPr lang="zh-CN" altLang="en-US"/>
           </a:p>
@@ -1419,7 +1425,7 @@
           <a:p>
             <a:fld id="{2C3E00E2-C33B-4937-9902-59678AD79668}" type="datetimeFigureOut">
               <a:rPr lang="zh-CN" altLang="en-US" smtClean="0"/>
-              <a:t>2021/10/25</a:t>
+              <a:t>2021/10/28</a:t>
             </a:fld>
             <a:endParaRPr lang="zh-CN" altLang="en-US"/>
           </a:p>
@@ -1834,7 +1840,7 @@
           <a:p>
             <a:fld id="{2C3E00E2-C33B-4937-9902-59678AD79668}" type="datetimeFigureOut">
               <a:rPr lang="zh-CN" altLang="en-US" smtClean="0"/>
-              <a:t>2021/10/25</a:t>
+              <a:t>2021/10/28</a:t>
             </a:fld>
             <a:endParaRPr lang="zh-CN" altLang="en-US"/>
           </a:p>
@@ -1976,7 +1982,7 @@
           <a:p>
             <a:fld id="{2C3E00E2-C33B-4937-9902-59678AD79668}" type="datetimeFigureOut">
               <a:rPr lang="zh-CN" altLang="en-US" smtClean="0"/>
-              <a:t>2021/10/25</a:t>
+              <a:t>2021/10/28</a:t>
             </a:fld>
             <a:endParaRPr lang="zh-CN" altLang="en-US"/>
           </a:p>
@@ -2089,7 +2095,7 @@
           <a:p>
             <a:fld id="{2C3E00E2-C33B-4937-9902-59678AD79668}" type="datetimeFigureOut">
               <a:rPr lang="zh-CN" altLang="en-US" smtClean="0"/>
-              <a:t>2021/10/25</a:t>
+              <a:t>2021/10/28</a:t>
             </a:fld>
             <a:endParaRPr lang="zh-CN" altLang="en-US"/>
           </a:p>
@@ -2402,7 +2408,7 @@
           <a:p>
             <a:fld id="{2C3E00E2-C33B-4937-9902-59678AD79668}" type="datetimeFigureOut">
               <a:rPr lang="zh-CN" altLang="en-US" smtClean="0"/>
-              <a:t>2021/10/25</a:t>
+              <a:t>2021/10/28</a:t>
             </a:fld>
             <a:endParaRPr lang="zh-CN" altLang="en-US"/>
           </a:p>
@@ -2691,7 +2697,7 @@
           <a:p>
             <a:fld id="{2C3E00E2-C33B-4937-9902-59678AD79668}" type="datetimeFigureOut">
               <a:rPr lang="zh-CN" altLang="en-US" smtClean="0"/>
-              <a:t>2021/10/25</a:t>
+              <a:t>2021/10/28</a:t>
             </a:fld>
             <a:endParaRPr lang="zh-CN" altLang="en-US"/>
           </a:p>
@@ -2934,7 +2940,7 @@
           <a:p>
             <a:fld id="{2C3E00E2-C33B-4937-9902-59678AD79668}" type="datetimeFigureOut">
               <a:rPr lang="zh-CN" altLang="en-US" smtClean="0"/>
-              <a:t>2021/10/25</a:t>
+              <a:t>2021/10/28</a:t>
             </a:fld>
             <a:endParaRPr lang="zh-CN" altLang="en-US"/>
           </a:p>
@@ -3372,7 +3378,11 @@
           <a:bodyPr/>
           <a:lstStyle/>
           <a:p>
-            <a:endParaRPr lang="zh-CN" altLang="en-US"/>
+            <a:r>
+              <a:rPr lang="en-US" altLang="zh-CN" dirty="0"/>
+              <a:t>CBF Verification</a:t>
+            </a:r>
+            <a:endParaRPr lang="zh-CN" altLang="en-US" dirty="0"/>
           </a:p>
         </p:txBody>
       </p:sp>
@@ -3436,6 +3446,855 @@
           <p:cNvPr id="2" name="Title 1">
             <a:extLst>
               <a:ext uri="{FF2B5EF4-FFF2-40B4-BE49-F238E27FC236}">
+                <a16:creationId xmlns:a16="http://schemas.microsoft.com/office/drawing/2014/main" id="{9D746428-AE0A-45C6-8594-15C6F390E68A}"/>
+              </a:ext>
+            </a:extLst>
+          </p:cNvPr>
+          <p:cNvSpPr>
+            <a:spLocks noGrp="1"/>
+          </p:cNvSpPr>
+          <p:nvPr>
+            <p:ph type="title"/>
+          </p:nvPr>
+        </p:nvSpPr>
+        <p:spPr/>
+        <p:txBody>
+          <a:bodyPr/>
+          <a:lstStyle/>
+          <a:p>
+            <a:r>
+              <a:rPr lang="en-US" altLang="zh-CN" dirty="0">
+                <a:latin typeface="Times New Roman" panose="02020603050405020304" pitchFamily="18" charset="0"/>
+                <a:cs typeface="Times New Roman" panose="02020603050405020304" pitchFamily="18" charset="0"/>
+              </a:rPr>
+              <a:t>Compact Safe Region</a:t>
+            </a:r>
+            <a:endParaRPr lang="zh-CN" altLang="en-US" dirty="0">
+              <a:latin typeface="Times New Roman" panose="02020603050405020304" pitchFamily="18" charset="0"/>
+              <a:cs typeface="Times New Roman" panose="02020603050405020304" pitchFamily="18" charset="0"/>
+            </a:endParaRPr>
+          </a:p>
+        </p:txBody>
+      </p:sp>
+      <mc:AlternateContent xmlns:mc="http://schemas.openxmlformats.org/markup-compatibility/2006" xmlns:a14="http://schemas.microsoft.com/office/drawing/2010/main">
+        <mc:Choice Requires="a14">
+          <p:sp>
+            <p:nvSpPr>
+              <p:cNvPr id="3" name="Content Placeholder 2">
+                <a:extLst>
+                  <a:ext uri="{FF2B5EF4-FFF2-40B4-BE49-F238E27FC236}">
+                    <a16:creationId xmlns:a16="http://schemas.microsoft.com/office/drawing/2014/main" id="{82482E14-9285-4EC3-A943-2B7DB3EC8A1D}"/>
+                  </a:ext>
+                </a:extLst>
+              </p:cNvPr>
+              <p:cNvSpPr>
+                <a:spLocks noGrp="1"/>
+              </p:cNvSpPr>
+              <p:nvPr>
+                <p:ph idx="1"/>
+              </p:nvPr>
+            </p:nvSpPr>
+            <p:spPr/>
+            <p:txBody>
+              <a:bodyPr>
+                <a:normAutofit/>
+              </a:bodyPr>
+              <a:lstStyle/>
+              <a:p>
+                <a:pPr>
+                  <a:lnSpc>
+                    <a:spcPct val="100000"/>
+                  </a:lnSpc>
+                </a:pPr>
+                <a:r>
+                  <a:rPr lang="en-US" altLang="zh-CN" sz="2400" dirty="0">
+                    <a:latin typeface="Times New Roman" panose="02020603050405020304" pitchFamily="18" charset="0"/>
+                    <a:cs typeface="Times New Roman" panose="02020603050405020304" pitchFamily="18" charset="0"/>
+                  </a:rPr>
+                  <a:t>Let </a:t>
+                </a:r>
+                <a14:m>
+                  <m:oMath xmlns:m="http://schemas.openxmlformats.org/officeDocument/2006/math">
+                    <m:d>
+                      <m:dPr>
+                        <m:ctrlPr>
+                          <a:rPr lang="en-US" altLang="zh-CN" sz="2400" b="0" i="1" smtClean="0">
+                            <a:latin typeface="Cambria Math" panose="02040503050406030204" pitchFamily="18" charset="0"/>
+                          </a:rPr>
+                        </m:ctrlPr>
+                      </m:dPr>
+                      <m:e>
+                        <m:sSup>
+                          <m:sSupPr>
+                            <m:ctrlPr>
+                              <a:rPr lang="en-US" altLang="zh-CN" sz="2400" b="0" i="1" smtClean="0">
+                                <a:latin typeface="Cambria Math" panose="02040503050406030204" pitchFamily="18" charset="0"/>
+                              </a:rPr>
+                            </m:ctrlPr>
+                          </m:sSupPr>
+                          <m:e>
+                            <m:r>
+                              <a:rPr lang="en-US" altLang="zh-CN" sz="2400" b="0" i="1" smtClean="0">
+                                <a:latin typeface="Cambria Math" panose="02040503050406030204" pitchFamily="18" charset="0"/>
+                              </a:rPr>
+                              <m:t>𝑥</m:t>
+                            </m:r>
+                          </m:e>
+                          <m:sup>
+                            <m:r>
+                              <a:rPr lang="en-US" altLang="zh-CN" sz="2400" b="0" i="1" smtClean="0">
+                                <a:latin typeface="Cambria Math" panose="02040503050406030204" pitchFamily="18" charset="0"/>
+                              </a:rPr>
+                              <m:t>∗</m:t>
+                            </m:r>
+                          </m:sup>
+                        </m:sSup>
+                        <m:r>
+                          <a:rPr lang="en-US" altLang="zh-CN" sz="2400" b="0" i="1" smtClean="0">
+                            <a:latin typeface="Cambria Math" panose="02040503050406030204" pitchFamily="18" charset="0"/>
+                          </a:rPr>
+                          <m:t>,</m:t>
+                        </m:r>
+                        <m:sSup>
+                          <m:sSupPr>
+                            <m:ctrlPr>
+                              <a:rPr lang="en-US" altLang="zh-CN" sz="2400" b="0" i="1" smtClean="0">
+                                <a:latin typeface="Cambria Math" panose="02040503050406030204" pitchFamily="18" charset="0"/>
+                              </a:rPr>
+                            </m:ctrlPr>
+                          </m:sSupPr>
+                          <m:e>
+                            <m:r>
+                              <a:rPr lang="en-US" altLang="zh-CN" sz="2400" b="0" i="1" smtClean="0">
+                                <a:latin typeface="Cambria Math" panose="02040503050406030204" pitchFamily="18" charset="0"/>
+                              </a:rPr>
+                              <m:t>𝑢</m:t>
+                            </m:r>
+                          </m:e>
+                          <m:sup>
+                            <m:r>
+                              <a:rPr lang="en-US" altLang="zh-CN" sz="2400" b="0" i="1" smtClean="0">
+                                <a:latin typeface="Cambria Math" panose="02040503050406030204" pitchFamily="18" charset="0"/>
+                              </a:rPr>
+                              <m:t>∗</m:t>
+                            </m:r>
+                          </m:sup>
+                        </m:sSup>
+                      </m:e>
+                    </m:d>
+                  </m:oMath>
+                </a14:m>
+                <a:r>
+                  <a:rPr lang="zh-CN" altLang="en-US" sz="2400" dirty="0">
+                    <a:latin typeface="Times New Roman" panose="02020603050405020304" pitchFamily="18" charset="0"/>
+                    <a:cs typeface="Times New Roman" panose="02020603050405020304" pitchFamily="18" charset="0"/>
+                  </a:rPr>
+                  <a:t> </a:t>
+                </a:r>
+                <a:r>
+                  <a:rPr lang="en-US" altLang="zh-CN" sz="2400" dirty="0">
+                    <a:latin typeface="Times New Roman" panose="02020603050405020304" pitchFamily="18" charset="0"/>
+                    <a:cs typeface="Times New Roman" panose="02020603050405020304" pitchFamily="18" charset="0"/>
+                  </a:rPr>
+                  <a:t>satisfy </a:t>
+                </a:r>
+                <a14:m>
+                  <m:oMath xmlns:m="http://schemas.openxmlformats.org/officeDocument/2006/math">
+                    <m:r>
+                      <a:rPr lang="en-US" altLang="zh-CN" sz="2400" b="0" i="1" smtClean="0">
+                        <a:latin typeface="Cambria Math" panose="02040503050406030204" pitchFamily="18" charset="0"/>
+                      </a:rPr>
+                      <m:t>𝑓</m:t>
+                    </m:r>
+                    <m:d>
+                      <m:dPr>
+                        <m:ctrlPr>
+                          <a:rPr lang="en-US" altLang="zh-CN" sz="2400" b="0" i="1" smtClean="0">
+                            <a:latin typeface="Cambria Math" panose="02040503050406030204" pitchFamily="18" charset="0"/>
+                          </a:rPr>
+                        </m:ctrlPr>
+                      </m:dPr>
+                      <m:e>
+                        <m:sSup>
+                          <m:sSupPr>
+                            <m:ctrlPr>
+                              <a:rPr lang="en-US" altLang="zh-CN" sz="2400" b="0" i="1" smtClean="0">
+                                <a:latin typeface="Cambria Math" panose="02040503050406030204" pitchFamily="18" charset="0"/>
+                              </a:rPr>
+                            </m:ctrlPr>
+                          </m:sSupPr>
+                          <m:e>
+                            <m:r>
+                              <a:rPr lang="en-US" altLang="zh-CN" sz="2400" b="0" i="1" smtClean="0">
+                                <a:latin typeface="Cambria Math" panose="02040503050406030204" pitchFamily="18" charset="0"/>
+                              </a:rPr>
+                              <m:t>𝑥</m:t>
+                            </m:r>
+                          </m:e>
+                          <m:sup>
+                            <m:r>
+                              <a:rPr lang="en-US" altLang="zh-CN" sz="2400" b="0" i="1" smtClean="0">
+                                <a:latin typeface="Cambria Math" panose="02040503050406030204" pitchFamily="18" charset="0"/>
+                              </a:rPr>
+                              <m:t>∗</m:t>
+                            </m:r>
+                          </m:sup>
+                        </m:sSup>
+                      </m:e>
+                    </m:d>
+                    <m:r>
+                      <a:rPr lang="en-US" altLang="zh-CN" sz="2400" b="0" i="1" smtClean="0">
+                        <a:latin typeface="Cambria Math" panose="02040503050406030204" pitchFamily="18" charset="0"/>
+                      </a:rPr>
+                      <m:t>+</m:t>
+                    </m:r>
+                    <m:r>
+                      <a:rPr lang="en-US" altLang="zh-CN" sz="2400" b="0" i="1" smtClean="0">
+                        <a:latin typeface="Cambria Math" panose="02040503050406030204" pitchFamily="18" charset="0"/>
+                      </a:rPr>
+                      <m:t>𝑔</m:t>
+                    </m:r>
+                    <m:d>
+                      <m:dPr>
+                        <m:ctrlPr>
+                          <a:rPr lang="en-US" altLang="zh-CN" sz="2400" b="0" i="1" smtClean="0">
+                            <a:latin typeface="Cambria Math" panose="02040503050406030204" pitchFamily="18" charset="0"/>
+                          </a:rPr>
+                        </m:ctrlPr>
+                      </m:dPr>
+                      <m:e>
+                        <m:sSup>
+                          <m:sSupPr>
+                            <m:ctrlPr>
+                              <a:rPr lang="en-US" altLang="zh-CN" sz="2400" b="0" i="1" smtClean="0">
+                                <a:latin typeface="Cambria Math" panose="02040503050406030204" pitchFamily="18" charset="0"/>
+                              </a:rPr>
+                            </m:ctrlPr>
+                          </m:sSupPr>
+                          <m:e>
+                            <m:r>
+                              <a:rPr lang="en-US" altLang="zh-CN" sz="2400" b="0" i="1" smtClean="0">
+                                <a:latin typeface="Cambria Math" panose="02040503050406030204" pitchFamily="18" charset="0"/>
+                              </a:rPr>
+                              <m:t>𝑥</m:t>
+                            </m:r>
+                          </m:e>
+                          <m:sup>
+                            <m:r>
+                              <a:rPr lang="en-US" altLang="zh-CN" sz="2400" b="0" i="1" smtClean="0">
+                                <a:latin typeface="Cambria Math" panose="02040503050406030204" pitchFamily="18" charset="0"/>
+                              </a:rPr>
+                              <m:t>∗</m:t>
+                            </m:r>
+                          </m:sup>
+                        </m:sSup>
+                      </m:e>
+                    </m:d>
+                    <m:sSup>
+                      <m:sSupPr>
+                        <m:ctrlPr>
+                          <a:rPr lang="en-US" altLang="zh-CN" sz="2400" b="0" i="1" smtClean="0">
+                            <a:latin typeface="Cambria Math" panose="02040503050406030204" pitchFamily="18" charset="0"/>
+                          </a:rPr>
+                        </m:ctrlPr>
+                      </m:sSupPr>
+                      <m:e>
+                        <m:r>
+                          <a:rPr lang="en-US" altLang="zh-CN" sz="2400" b="0" i="1" smtClean="0">
+                            <a:latin typeface="Cambria Math" panose="02040503050406030204" pitchFamily="18" charset="0"/>
+                          </a:rPr>
+                          <m:t>𝑢</m:t>
+                        </m:r>
+                      </m:e>
+                      <m:sup>
+                        <m:r>
+                          <a:rPr lang="en-US" altLang="zh-CN" sz="2400" b="0" i="1" smtClean="0">
+                            <a:latin typeface="Cambria Math" panose="02040503050406030204" pitchFamily="18" charset="0"/>
+                          </a:rPr>
+                          <m:t>∗</m:t>
+                        </m:r>
+                      </m:sup>
+                    </m:sSup>
+                    <m:r>
+                      <a:rPr lang="en-US" altLang="zh-CN" sz="2400" b="0" i="1" smtClean="0">
+                        <a:latin typeface="Cambria Math" panose="02040503050406030204" pitchFamily="18" charset="0"/>
+                      </a:rPr>
+                      <m:t>=0</m:t>
+                    </m:r>
+                  </m:oMath>
+                </a14:m>
+                <a:r>
+                  <a:rPr lang="zh-CN" altLang="en-US" sz="2400" dirty="0">
+                    <a:latin typeface="Times New Roman" panose="02020603050405020304" pitchFamily="18" charset="0"/>
+                    <a:cs typeface="Times New Roman" panose="02020603050405020304" pitchFamily="18" charset="0"/>
+                  </a:rPr>
+                  <a:t> </a:t>
+                </a:r>
+                <a:r>
+                  <a:rPr lang="en-US" altLang="zh-CN" sz="2400" dirty="0">
+                    <a:latin typeface="Times New Roman" panose="02020603050405020304" pitchFamily="18" charset="0"/>
+                    <a:cs typeface="Times New Roman" panose="02020603050405020304" pitchFamily="18" charset="0"/>
+                  </a:rPr>
+                  <a:t>and </a:t>
+                </a:r>
+                <a14:m>
+                  <m:oMath xmlns:m="http://schemas.openxmlformats.org/officeDocument/2006/math">
+                    <m:sSup>
+                      <m:sSupPr>
+                        <m:ctrlPr>
+                          <a:rPr lang="en-US" altLang="zh-CN" sz="2400" b="0" i="1" smtClean="0">
+                            <a:latin typeface="Cambria Math" panose="02040503050406030204" pitchFamily="18" charset="0"/>
+                          </a:rPr>
+                        </m:ctrlPr>
+                      </m:sSupPr>
+                      <m:e>
+                        <m:r>
+                          <a:rPr lang="en-US" altLang="zh-CN" sz="2400" b="0" i="1" smtClean="0">
+                            <a:latin typeface="Cambria Math" panose="02040503050406030204" pitchFamily="18" charset="0"/>
+                          </a:rPr>
+                          <m:t>𝑥</m:t>
+                        </m:r>
+                      </m:e>
+                      <m:sup>
+                        <m:r>
+                          <a:rPr lang="en-US" altLang="zh-CN" sz="2400" b="0" i="1" smtClean="0">
+                            <a:latin typeface="Cambria Math" panose="02040503050406030204" pitchFamily="18" charset="0"/>
+                          </a:rPr>
+                          <m:t>∗</m:t>
+                        </m:r>
+                      </m:sup>
+                    </m:sSup>
+                    <m:r>
+                      <a:rPr lang="en-US" altLang="zh-CN" sz="2400" b="0" i="1" smtClean="0">
+                        <a:latin typeface="Cambria Math" panose="02040503050406030204" pitchFamily="18" charset="0"/>
+                      </a:rPr>
+                      <m:t>∈</m:t>
+                    </m:r>
+                    <m:r>
+                      <a:rPr lang="en-US" altLang="zh-CN" sz="2400" b="0" i="1" smtClean="0">
+                        <a:latin typeface="Cambria Math" panose="02040503050406030204" pitchFamily="18" charset="0"/>
+                      </a:rPr>
+                      <m:t>𝑖𝑛𝑡</m:t>
+                    </m:r>
+                    <m:r>
+                      <a:rPr lang="en-US" altLang="zh-CN" sz="2400" b="0" i="1" smtClean="0">
+                        <a:latin typeface="Cambria Math" panose="02040503050406030204" pitchFamily="18" charset="0"/>
+                      </a:rPr>
+                      <m:t>(</m:t>
+                    </m:r>
+                    <m:r>
+                      <a:rPr lang="en-US" altLang="zh-CN" sz="2400" b="0" i="1" smtClean="0">
+                        <a:latin typeface="Cambria Math" panose="02040503050406030204" pitchFamily="18" charset="0"/>
+                      </a:rPr>
+                      <m:t>𝒞</m:t>
+                    </m:r>
+                    <m:r>
+                      <a:rPr lang="en-US" altLang="zh-CN" sz="2400" b="0" i="1" smtClean="0">
+                        <a:latin typeface="Cambria Math" panose="02040503050406030204" pitchFamily="18" charset="0"/>
+                      </a:rPr>
+                      <m:t>)</m:t>
+                    </m:r>
+                  </m:oMath>
+                </a14:m>
+                <a:r>
+                  <a:rPr lang="en-US" altLang="zh-CN" sz="2400" dirty="0">
+                    <a:latin typeface="Times New Roman" panose="02020603050405020304" pitchFamily="18" charset="0"/>
+                    <a:cs typeface="Times New Roman" panose="02020603050405020304" pitchFamily="18" charset="0"/>
+                  </a:rPr>
+                  <a:t>. Then there exist a positive definite matrix </a:t>
+                </a:r>
+                <a14:m>
+                  <m:oMath xmlns:m="http://schemas.openxmlformats.org/officeDocument/2006/math">
+                    <m:r>
+                      <a:rPr lang="en-US" altLang="zh-CN" sz="2400" b="0" i="1" smtClean="0">
+                        <a:latin typeface="Cambria Math" panose="02040503050406030204" pitchFamily="18" charset="0"/>
+                      </a:rPr>
+                      <m:t>𝑃</m:t>
+                    </m:r>
+                  </m:oMath>
+                </a14:m>
+                <a:r>
+                  <a:rPr lang="zh-CN" altLang="en-US" sz="2400" dirty="0">
+                    <a:latin typeface="Times New Roman" panose="02020603050405020304" pitchFamily="18" charset="0"/>
+                    <a:cs typeface="Times New Roman" panose="02020603050405020304" pitchFamily="18" charset="0"/>
+                  </a:rPr>
+                  <a:t> </a:t>
+                </a:r>
+                <a:r>
+                  <a:rPr lang="en-US" altLang="zh-CN" sz="2400" dirty="0">
+                    <a:latin typeface="Times New Roman" panose="02020603050405020304" pitchFamily="18" charset="0"/>
+                    <a:cs typeface="Times New Roman" panose="02020603050405020304" pitchFamily="18" charset="0"/>
+                  </a:rPr>
+                  <a:t>and </a:t>
+                </a:r>
+                <a14:m>
+                  <m:oMath xmlns:m="http://schemas.openxmlformats.org/officeDocument/2006/math">
+                    <m:r>
+                      <a:rPr lang="en-US" altLang="zh-CN" sz="2400" b="0" i="1" smtClean="0">
+                        <a:latin typeface="Cambria Math" panose="02040503050406030204" pitchFamily="18" charset="0"/>
+                      </a:rPr>
+                      <m:t>𝛿</m:t>
+                    </m:r>
+                    <m:r>
+                      <a:rPr lang="en-US" altLang="zh-CN" sz="2400" b="0" i="1" smtClean="0">
+                        <a:latin typeface="Cambria Math" panose="02040503050406030204" pitchFamily="18" charset="0"/>
+                      </a:rPr>
+                      <m:t>&gt;0</m:t>
+                    </m:r>
+                  </m:oMath>
+                </a14:m>
+                <a:r>
+                  <a:rPr lang="zh-CN" altLang="en-US" sz="2400" dirty="0">
+                    <a:latin typeface="Times New Roman" panose="02020603050405020304" pitchFamily="18" charset="0"/>
+                    <a:cs typeface="Times New Roman" panose="02020603050405020304" pitchFamily="18" charset="0"/>
+                  </a:rPr>
+                  <a:t> </a:t>
+                </a:r>
+                <a:r>
+                  <a:rPr lang="en-US" altLang="zh-CN" sz="2400" dirty="0">
+                    <a:latin typeface="Times New Roman" panose="02020603050405020304" pitchFamily="18" charset="0"/>
+                    <a:cs typeface="Times New Roman" panose="02020603050405020304" pitchFamily="18" charset="0"/>
+                  </a:rPr>
+                  <a:t>such that the function</a:t>
+                </a:r>
+              </a:p>
+              <a:p>
+                <a:pPr marL="0" indent="0">
+                  <a:lnSpc>
+                    <a:spcPct val="100000"/>
+                  </a:lnSpc>
+                  <a:buNone/>
+                </a:pPr>
+                <a14:m>
+                  <m:oMathPara xmlns:m="http://schemas.openxmlformats.org/officeDocument/2006/math">
+                    <m:oMathParaPr>
+                      <m:jc m:val="centerGroup"/>
+                    </m:oMathParaPr>
+                    <m:oMath xmlns:m="http://schemas.openxmlformats.org/officeDocument/2006/math">
+                      <m:sSub>
+                        <m:sSubPr>
+                          <m:ctrlPr>
+                            <a:rPr lang="en-US" altLang="zh-CN" sz="2400" b="0" i="1" smtClean="0">
+                              <a:latin typeface="Cambria Math" panose="02040503050406030204" pitchFamily="18" charset="0"/>
+                            </a:rPr>
+                          </m:ctrlPr>
+                        </m:sSubPr>
+                        <m:e>
+                          <m:r>
+                            <a:rPr lang="en-US" altLang="zh-CN" sz="2400" b="0" i="1" smtClean="0">
+                              <a:latin typeface="Cambria Math" panose="02040503050406030204" pitchFamily="18" charset="0"/>
+                            </a:rPr>
+                            <m:t>𝑏</m:t>
+                          </m:r>
+                        </m:e>
+                        <m:sub>
+                          <m:r>
+                            <a:rPr lang="en-US" altLang="zh-CN" sz="2400" b="0" i="1" smtClean="0">
+                              <a:latin typeface="Cambria Math" panose="02040503050406030204" pitchFamily="18" charset="0"/>
+                            </a:rPr>
+                            <m:t>0</m:t>
+                          </m:r>
+                        </m:sub>
+                      </m:sSub>
+                      <m:d>
+                        <m:dPr>
+                          <m:ctrlPr>
+                            <a:rPr lang="en-US" altLang="zh-CN" sz="2400" b="0" i="1" smtClean="0">
+                              <a:latin typeface="Cambria Math" panose="02040503050406030204" pitchFamily="18" charset="0"/>
+                            </a:rPr>
+                          </m:ctrlPr>
+                        </m:dPr>
+                        <m:e>
+                          <m:r>
+                            <a:rPr lang="en-US" altLang="zh-CN" sz="2400" b="0" i="1" smtClean="0">
+                              <a:latin typeface="Cambria Math" panose="02040503050406030204" pitchFamily="18" charset="0"/>
+                            </a:rPr>
+                            <m:t>𝑥</m:t>
+                          </m:r>
+                          <m:r>
+                            <a:rPr lang="en-US" altLang="zh-CN" sz="2400" b="0" i="1" smtClean="0">
+                              <a:latin typeface="Cambria Math" panose="02040503050406030204" pitchFamily="18" charset="0"/>
+                            </a:rPr>
+                            <m:t>;</m:t>
+                          </m:r>
+                          <m:sSup>
+                            <m:sSupPr>
+                              <m:ctrlPr>
+                                <a:rPr lang="en-US" altLang="zh-CN" sz="2400" b="0" i="1" smtClean="0">
+                                  <a:latin typeface="Cambria Math" panose="02040503050406030204" pitchFamily="18" charset="0"/>
+                                </a:rPr>
+                              </m:ctrlPr>
+                            </m:sSupPr>
+                            <m:e>
+                              <m:r>
+                                <a:rPr lang="en-US" altLang="zh-CN" sz="2400" b="0" i="1" smtClean="0">
+                                  <a:latin typeface="Cambria Math" panose="02040503050406030204" pitchFamily="18" charset="0"/>
+                                </a:rPr>
+                                <m:t>𝑥</m:t>
+                              </m:r>
+                            </m:e>
+                            <m:sup>
+                              <m:r>
+                                <a:rPr lang="en-US" altLang="zh-CN" sz="2400" b="0" i="1" smtClean="0">
+                                  <a:latin typeface="Cambria Math" panose="02040503050406030204" pitchFamily="18" charset="0"/>
+                                </a:rPr>
+                                <m:t>∗</m:t>
+                              </m:r>
+                            </m:sup>
+                          </m:sSup>
+                        </m:e>
+                      </m:d>
+                      <m:r>
+                        <a:rPr lang="en-US" altLang="zh-CN" sz="2400" b="0" i="1" smtClean="0">
+                          <a:latin typeface="Cambria Math" panose="02040503050406030204" pitchFamily="18" charset="0"/>
+                        </a:rPr>
+                        <m:t>=</m:t>
+                      </m:r>
+                      <m:r>
+                        <a:rPr lang="en-US" altLang="zh-CN" sz="2400" b="0" i="1" smtClean="0">
+                          <a:latin typeface="Cambria Math" panose="02040503050406030204" pitchFamily="18" charset="0"/>
+                        </a:rPr>
+                        <m:t>𝛿</m:t>
+                      </m:r>
+                      <m:r>
+                        <a:rPr lang="en-US" altLang="zh-CN" sz="2400" b="0" i="1" smtClean="0">
+                          <a:latin typeface="Cambria Math" panose="02040503050406030204" pitchFamily="18" charset="0"/>
+                        </a:rPr>
+                        <m:t>−</m:t>
+                      </m:r>
+                      <m:sSup>
+                        <m:sSupPr>
+                          <m:ctrlPr>
+                            <a:rPr lang="en-US" altLang="zh-CN" sz="2400" b="0" i="1" smtClean="0">
+                              <a:latin typeface="Cambria Math" panose="02040503050406030204" pitchFamily="18" charset="0"/>
+                            </a:rPr>
+                          </m:ctrlPr>
+                        </m:sSupPr>
+                        <m:e>
+                          <m:d>
+                            <m:dPr>
+                              <m:ctrlPr>
+                                <a:rPr lang="en-US" altLang="zh-CN" sz="2400" b="0" i="1" smtClean="0">
+                                  <a:latin typeface="Cambria Math" panose="02040503050406030204" pitchFamily="18" charset="0"/>
+                                </a:rPr>
+                              </m:ctrlPr>
+                            </m:dPr>
+                            <m:e>
+                              <m:r>
+                                <a:rPr lang="en-US" altLang="zh-CN" sz="2400" b="0" i="1" smtClean="0">
+                                  <a:latin typeface="Cambria Math" panose="02040503050406030204" pitchFamily="18" charset="0"/>
+                                </a:rPr>
+                                <m:t>𝑥</m:t>
+                              </m:r>
+                              <m:r>
+                                <a:rPr lang="en-US" altLang="zh-CN" sz="2400" b="0" i="1" smtClean="0">
+                                  <a:latin typeface="Cambria Math" panose="02040503050406030204" pitchFamily="18" charset="0"/>
+                                </a:rPr>
+                                <m:t>−</m:t>
+                              </m:r>
+                              <m:sSup>
+                                <m:sSupPr>
+                                  <m:ctrlPr>
+                                    <a:rPr lang="en-US" altLang="zh-CN" sz="2400" b="0" i="1" smtClean="0">
+                                      <a:latin typeface="Cambria Math" panose="02040503050406030204" pitchFamily="18" charset="0"/>
+                                    </a:rPr>
+                                  </m:ctrlPr>
+                                </m:sSupPr>
+                                <m:e>
+                                  <m:r>
+                                    <a:rPr lang="en-US" altLang="zh-CN" sz="2400" b="0" i="1" smtClean="0">
+                                      <a:latin typeface="Cambria Math" panose="02040503050406030204" pitchFamily="18" charset="0"/>
+                                    </a:rPr>
+                                    <m:t>𝑥</m:t>
+                                  </m:r>
+                                </m:e>
+                                <m:sup>
+                                  <m:r>
+                                    <a:rPr lang="en-US" altLang="zh-CN" sz="2400" b="0" i="1" smtClean="0">
+                                      <a:latin typeface="Cambria Math" panose="02040503050406030204" pitchFamily="18" charset="0"/>
+                                    </a:rPr>
+                                    <m:t>∗</m:t>
+                                  </m:r>
+                                </m:sup>
+                              </m:sSup>
+                            </m:e>
+                          </m:d>
+                        </m:e>
+                        <m:sup>
+                          <m:r>
+                            <a:rPr lang="en-US" altLang="zh-CN" sz="2400" b="0" i="1" smtClean="0">
+                              <a:latin typeface="Cambria Math" panose="02040503050406030204" pitchFamily="18" charset="0"/>
+                            </a:rPr>
+                            <m:t>𝑇</m:t>
+                          </m:r>
+                        </m:sup>
+                      </m:sSup>
+                      <m:r>
+                        <a:rPr lang="en-US" altLang="zh-CN" sz="2400" b="0" i="1" smtClean="0">
+                          <a:latin typeface="Cambria Math" panose="02040503050406030204" pitchFamily="18" charset="0"/>
+                        </a:rPr>
+                        <m:t>𝑃</m:t>
+                      </m:r>
+                      <m:d>
+                        <m:dPr>
+                          <m:ctrlPr>
+                            <a:rPr lang="en-US" altLang="zh-CN" sz="2400" b="0" i="1" smtClean="0">
+                              <a:latin typeface="Cambria Math" panose="02040503050406030204" pitchFamily="18" charset="0"/>
+                            </a:rPr>
+                          </m:ctrlPr>
+                        </m:dPr>
+                        <m:e>
+                          <m:r>
+                            <a:rPr lang="en-US" altLang="zh-CN" sz="2400" b="0" i="1" smtClean="0">
+                              <a:latin typeface="Cambria Math" panose="02040503050406030204" pitchFamily="18" charset="0"/>
+                            </a:rPr>
+                            <m:t>𝑥</m:t>
+                          </m:r>
+                          <m:r>
+                            <a:rPr lang="en-US" altLang="zh-CN" sz="2400" b="0" i="1" smtClean="0">
+                              <a:latin typeface="Cambria Math" panose="02040503050406030204" pitchFamily="18" charset="0"/>
+                            </a:rPr>
+                            <m:t>−</m:t>
+                          </m:r>
+                          <m:sSup>
+                            <m:sSupPr>
+                              <m:ctrlPr>
+                                <a:rPr lang="en-US" altLang="zh-CN" sz="2400" b="0" i="1" smtClean="0">
+                                  <a:latin typeface="Cambria Math" panose="02040503050406030204" pitchFamily="18" charset="0"/>
+                                </a:rPr>
+                              </m:ctrlPr>
+                            </m:sSupPr>
+                            <m:e>
+                              <m:r>
+                                <a:rPr lang="en-US" altLang="zh-CN" sz="2400" b="0" i="1" smtClean="0">
+                                  <a:latin typeface="Cambria Math" panose="02040503050406030204" pitchFamily="18" charset="0"/>
+                                </a:rPr>
+                                <m:t>𝑥</m:t>
+                              </m:r>
+                            </m:e>
+                            <m:sup>
+                              <m:r>
+                                <a:rPr lang="en-US" altLang="zh-CN" sz="2400" b="0" i="1" smtClean="0">
+                                  <a:latin typeface="Cambria Math" panose="02040503050406030204" pitchFamily="18" charset="0"/>
+                                </a:rPr>
+                                <m:t>∗</m:t>
+                              </m:r>
+                            </m:sup>
+                          </m:sSup>
+                        </m:e>
+                      </m:d>
+                    </m:oMath>
+                  </m:oMathPara>
+                </a14:m>
+                <a:endParaRPr lang="en-US" altLang="zh-CN" sz="2400" dirty="0">
+                  <a:latin typeface="Times New Roman" panose="02020603050405020304" pitchFamily="18" charset="0"/>
+                  <a:cs typeface="Times New Roman" panose="02020603050405020304" pitchFamily="18" charset="0"/>
+                </a:endParaRPr>
+              </a:p>
+              <a:p>
+                <a:pPr>
+                  <a:lnSpc>
+                    <a:spcPct val="100000"/>
+                  </a:lnSpc>
+                </a:pPr>
+                <a:r>
+                  <a:rPr lang="en-US" altLang="zh-CN" sz="2400" dirty="0">
+                    <a:latin typeface="Times New Roman" panose="02020603050405020304" pitchFamily="18" charset="0"/>
+                    <a:cs typeface="Times New Roman" panose="02020603050405020304" pitchFamily="18" charset="0"/>
+                  </a:rPr>
+                  <a:t>is a CBF with </a:t>
+                </a:r>
+                <a14:m>
+                  <m:oMath xmlns:m="http://schemas.openxmlformats.org/officeDocument/2006/math">
+                    <m:d>
+                      <m:dPr>
+                        <m:begChr m:val="{"/>
+                        <m:endChr m:val="}"/>
+                        <m:ctrlPr>
+                          <a:rPr lang="en-US" altLang="zh-CN" sz="2400" b="0" i="1" smtClean="0">
+                            <a:latin typeface="Cambria Math" panose="02040503050406030204" pitchFamily="18" charset="0"/>
+                          </a:rPr>
+                        </m:ctrlPr>
+                      </m:dPr>
+                      <m:e>
+                        <m:sSub>
+                          <m:sSubPr>
+                            <m:ctrlPr>
+                              <a:rPr lang="en-US" altLang="zh-CN" sz="2400" b="0" i="1" smtClean="0">
+                                <a:latin typeface="Cambria Math" panose="02040503050406030204" pitchFamily="18" charset="0"/>
+                              </a:rPr>
+                            </m:ctrlPr>
+                          </m:sSubPr>
+                          <m:e>
+                            <m:r>
+                              <a:rPr lang="en-US" altLang="zh-CN" sz="2400" b="0" i="1" smtClean="0">
+                                <a:latin typeface="Cambria Math" panose="02040503050406030204" pitchFamily="18" charset="0"/>
+                              </a:rPr>
+                              <m:t>𝑏</m:t>
+                            </m:r>
+                          </m:e>
+                          <m:sub>
+                            <m:r>
+                              <a:rPr lang="en-US" altLang="zh-CN" sz="2400" b="0" i="1" smtClean="0">
+                                <a:latin typeface="Cambria Math" panose="02040503050406030204" pitchFamily="18" charset="0"/>
+                              </a:rPr>
+                              <m:t>0</m:t>
+                            </m:r>
+                          </m:sub>
+                        </m:sSub>
+                        <m:d>
+                          <m:dPr>
+                            <m:ctrlPr>
+                              <a:rPr lang="en-US" altLang="zh-CN" sz="2400" b="0" i="1" smtClean="0">
+                                <a:latin typeface="Cambria Math" panose="02040503050406030204" pitchFamily="18" charset="0"/>
+                              </a:rPr>
+                            </m:ctrlPr>
+                          </m:dPr>
+                          <m:e>
+                            <m:r>
+                              <a:rPr lang="en-US" altLang="zh-CN" sz="2400" b="0" i="1" smtClean="0">
+                                <a:latin typeface="Cambria Math" panose="02040503050406030204" pitchFamily="18" charset="0"/>
+                              </a:rPr>
+                              <m:t>𝑥</m:t>
+                            </m:r>
+                            <m:r>
+                              <a:rPr lang="en-US" altLang="zh-CN" sz="2400" b="0" i="1" smtClean="0">
+                                <a:latin typeface="Cambria Math" panose="02040503050406030204" pitchFamily="18" charset="0"/>
+                              </a:rPr>
+                              <m:t>;</m:t>
+                            </m:r>
+                            <m:sSup>
+                              <m:sSupPr>
+                                <m:ctrlPr>
+                                  <a:rPr lang="en-US" altLang="zh-CN" sz="2400" b="0" i="1" smtClean="0">
+                                    <a:latin typeface="Cambria Math" panose="02040503050406030204" pitchFamily="18" charset="0"/>
+                                  </a:rPr>
+                                </m:ctrlPr>
+                              </m:sSupPr>
+                              <m:e>
+                                <m:r>
+                                  <a:rPr lang="en-US" altLang="zh-CN" sz="2400" b="0" i="1" smtClean="0">
+                                    <a:latin typeface="Cambria Math" panose="02040503050406030204" pitchFamily="18" charset="0"/>
+                                  </a:rPr>
+                                  <m:t>𝑥</m:t>
+                                </m:r>
+                              </m:e>
+                              <m:sup>
+                                <m:r>
+                                  <a:rPr lang="en-US" altLang="zh-CN" sz="2400" b="0" i="1" smtClean="0">
+                                    <a:latin typeface="Cambria Math" panose="02040503050406030204" pitchFamily="18" charset="0"/>
+                                  </a:rPr>
+                                  <m:t>∗</m:t>
+                                </m:r>
+                              </m:sup>
+                            </m:sSup>
+                          </m:e>
+                        </m:d>
+                        <m:r>
+                          <a:rPr lang="en-US" altLang="zh-CN" sz="2400" b="0" i="1" smtClean="0">
+                            <a:latin typeface="Cambria Math" panose="02040503050406030204" pitchFamily="18" charset="0"/>
+                          </a:rPr>
+                          <m:t>≥0</m:t>
+                        </m:r>
+                      </m:e>
+                    </m:d>
+                    <m:r>
+                      <a:rPr lang="en-US" altLang="zh-CN" sz="2400" b="0" i="1" smtClean="0">
+                        <a:latin typeface="Cambria Math" panose="02040503050406030204" pitchFamily="18" charset="0"/>
+                      </a:rPr>
+                      <m:t>⊆</m:t>
+                    </m:r>
+                    <m:r>
+                      <a:rPr lang="en-US" altLang="zh-CN" sz="2400" b="0" i="1" smtClean="0">
+                        <a:latin typeface="Cambria Math" panose="02040503050406030204" pitchFamily="18" charset="0"/>
+                      </a:rPr>
+                      <m:t>𝒞</m:t>
+                    </m:r>
+                  </m:oMath>
+                </a14:m>
+                <a:endParaRPr lang="zh-CN" altLang="en-US" sz="2400" dirty="0">
+                  <a:latin typeface="Times New Roman" panose="02020603050405020304" pitchFamily="18" charset="0"/>
+                  <a:cs typeface="Times New Roman" panose="02020603050405020304" pitchFamily="18" charset="0"/>
+                </a:endParaRPr>
+              </a:p>
+            </p:txBody>
+          </p:sp>
+        </mc:Choice>
+        <mc:Fallback xmlns="">
+          <p:sp>
+            <p:nvSpPr>
+              <p:cNvPr id="3" name="Content Placeholder 2">
+                <a:extLst>
+                  <a:ext uri="{FF2B5EF4-FFF2-40B4-BE49-F238E27FC236}">
+                    <a16:creationId xmlns:a16="http://schemas.microsoft.com/office/drawing/2014/main" id="{82482E14-9285-4EC3-A943-2B7DB3EC8A1D}"/>
+                  </a:ext>
+                </a:extLst>
+              </p:cNvPr>
+              <p:cNvSpPr>
+                <a:spLocks noGrp="1" noRot="1" noChangeAspect="1" noMove="1" noResize="1" noEditPoints="1" noAdjustHandles="1" noChangeArrowheads="1" noChangeShapeType="1" noTextEdit="1"/>
+              </p:cNvSpPr>
+              <p:nvPr>
+                <p:ph idx="1"/>
+              </p:nvPr>
+            </p:nvSpPr>
+            <p:spPr>
+              <a:blipFill>
+                <a:blip r:embed="rId2"/>
+                <a:stretch>
+                  <a:fillRect l="-812" t="-1120"/>
+                </a:stretch>
+              </a:blipFill>
+            </p:spPr>
+            <p:txBody>
+              <a:bodyPr/>
+              <a:lstStyle/>
+              <a:p>
+                <a:r>
+                  <a:rPr lang="zh-CN" altLang="en-US">
+                    <a:noFill/>
+                  </a:rPr>
+                  <a:t> </a:t>
+                </a:r>
+              </a:p>
+            </p:txBody>
+          </p:sp>
+        </mc:Fallback>
+      </mc:AlternateContent>
+    </p:spTree>
+    <p:extLst>
+      <p:ext uri="{BB962C8B-B14F-4D97-AF65-F5344CB8AC3E}">
+        <p14:creationId xmlns:p14="http://schemas.microsoft.com/office/powerpoint/2010/main" val="450537562"/>
+      </p:ext>
+    </p:extLst>
+  </p:cSld>
+  <p:clrMapOvr>
+    <a:masterClrMapping/>
+  </p:clrMapOvr>
+</p:sld>
+</file>
+
+<file path=ppt/slides/slide11.xml><?xml version="1.0" encoding="utf-8"?>
+<p:sld xmlns:a="http://schemas.openxmlformats.org/drawingml/2006/main" xmlns:r="http://schemas.openxmlformats.org/officeDocument/2006/relationships" xmlns:p="http://schemas.openxmlformats.org/presentationml/2006/main">
+  <p:cSld>
+    <p:spTree>
+      <p:nvGrpSpPr>
+        <p:cNvPr id="1" name=""/>
+        <p:cNvGrpSpPr/>
+        <p:nvPr/>
+      </p:nvGrpSpPr>
+      <p:grpSpPr>
+        <a:xfrm>
+          <a:off x="0" y="0"/>
+          <a:ext cx="0" cy="0"/>
+          <a:chOff x="0" y="0"/>
+          <a:chExt cx="0" cy="0"/>
+        </a:xfrm>
+      </p:grpSpPr>
+      <p:sp>
+        <p:nvSpPr>
+          <p:cNvPr id="2" name="Title 1">
+            <a:extLst>
+              <a:ext uri="{FF2B5EF4-FFF2-40B4-BE49-F238E27FC236}">
                 <a16:creationId xmlns:a16="http://schemas.microsoft.com/office/drawing/2014/main" id="{291215D0-C569-458D-B584-82A317FAA33F}"/>
               </a:ext>
             </a:extLst>
@@ -3463,8 +4322,8 @@
           </a:p>
         </p:txBody>
       </p:sp>
-      <mc:AlternateContent xmlns:mc="http://schemas.openxmlformats.org/markup-compatibility/2006">
-        <mc:Choice xmlns:a14="http://schemas.microsoft.com/office/drawing/2010/main" Requires="a14">
+      <mc:AlternateContent xmlns:mc="http://schemas.openxmlformats.org/markup-compatibility/2006" xmlns:a14="http://schemas.microsoft.com/office/drawing/2010/main">
+        <mc:Choice Requires="a14">
           <p:sp>
             <p:nvSpPr>
               <p:cNvPr id="3" name="Content Placeholder 2">
@@ -4104,7 +4963,7 @@
             </p:txBody>
           </p:sp>
         </mc:Choice>
-        <mc:Fallback>
+        <mc:Fallback xmlns="">
           <p:sp>
             <p:nvSpPr>
               <p:cNvPr id="3" name="Content Placeholder 2">
@@ -4195,7 +5054,136 @@
           <a:bodyPr/>
           <a:lstStyle/>
           <a:p>
-            <a:endParaRPr lang="zh-CN" altLang="en-US"/>
+            <a:r>
+              <a:rPr lang="en-US" altLang="zh-CN" dirty="0"/>
+              <a:t>Motivation</a:t>
+            </a:r>
+            <a:endParaRPr lang="zh-CN" altLang="en-US" dirty="0"/>
+          </a:p>
+        </p:txBody>
+      </p:sp>
+      <p:sp>
+        <p:nvSpPr>
+          <p:cNvPr id="3" name="Content Placeholder 2">
+            <a:extLst>
+              <a:ext uri="{FF2B5EF4-FFF2-40B4-BE49-F238E27FC236}">
+                <a16:creationId xmlns:a16="http://schemas.microsoft.com/office/drawing/2014/main" id="{7F666C30-5307-4BA6-A754-05CF860C8978}"/>
+              </a:ext>
+            </a:extLst>
+          </p:cNvPr>
+          <p:cNvSpPr>
+            <a:spLocks noGrp="1"/>
+          </p:cNvSpPr>
+          <p:nvPr>
+            <p:ph idx="1"/>
+          </p:nvPr>
+        </p:nvSpPr>
+        <p:spPr/>
+        <p:txBody>
+          <a:bodyPr/>
+          <a:lstStyle/>
+          <a:p>
+            <a:r>
+              <a:rPr lang="en-US" altLang="zh-CN" sz="2400" dirty="0">
+                <a:latin typeface="Times New Roman" panose="02020603050405020304" pitchFamily="18" charset="0"/>
+                <a:cs typeface="Times New Roman" panose="02020603050405020304" pitchFamily="18" charset="0"/>
+              </a:rPr>
+              <a:t>The problem of verifying whether the CBF constraints can always be satisfied has received less attention. The work propose a framework for verifying that a CBF guarantees safety for all time and synthesizing CBFs with verifiable safety in polynomial control systems.</a:t>
+            </a:r>
+          </a:p>
+          <a:p>
+            <a:r>
+              <a:rPr lang="en-US" altLang="zh-CN" sz="2400" dirty="0">
+                <a:latin typeface="Times New Roman" panose="02020603050405020304" pitchFamily="18" charset="0"/>
+                <a:cs typeface="Times New Roman" panose="02020603050405020304" pitchFamily="18" charset="0"/>
+              </a:rPr>
+              <a:t>The approach is based on the fact that the safety guarantees rely on two properties.</a:t>
+            </a:r>
+          </a:p>
+          <a:p>
+            <a:pPr lvl="1"/>
+            <a:r>
+              <a:rPr lang="en-US" altLang="zh-CN" sz="2000" dirty="0">
+                <a:latin typeface="Times New Roman" panose="02020603050405020304" pitchFamily="18" charset="0"/>
+                <a:cs typeface="Times New Roman" panose="02020603050405020304" pitchFamily="18" charset="0"/>
+              </a:rPr>
+              <a:t>There should be no point on the boundary of the CBF for which the Lie derivative of the CBF is always negative</a:t>
+            </a:r>
+          </a:p>
+          <a:p>
+            <a:pPr lvl="1"/>
+            <a:r>
+              <a:rPr lang="en-US" altLang="zh-CN" sz="2000" dirty="0">
+                <a:latin typeface="Times New Roman" panose="02020603050405020304" pitchFamily="18" charset="0"/>
+                <a:cs typeface="Times New Roman" panose="02020603050405020304" pitchFamily="18" charset="0"/>
+              </a:rPr>
+              <a:t>The safe region of the CBF should be contained within the overall safe region.</a:t>
+            </a:r>
+          </a:p>
+          <a:p>
+            <a:pPr marL="0" indent="0">
+              <a:buNone/>
+            </a:pPr>
+            <a:endParaRPr lang="zh-CN" altLang="en-US" dirty="0"/>
+          </a:p>
+        </p:txBody>
+      </p:sp>
+    </p:spTree>
+    <p:extLst>
+      <p:ext uri="{BB962C8B-B14F-4D97-AF65-F5344CB8AC3E}">
+        <p14:creationId xmlns:p14="http://schemas.microsoft.com/office/powerpoint/2010/main" val="1666886498"/>
+      </p:ext>
+    </p:extLst>
+  </p:cSld>
+  <p:clrMapOvr>
+    <a:masterClrMapping/>
+  </p:clrMapOvr>
+</p:sld>
+</file>
+
+<file path=ppt/slides/slide3.xml><?xml version="1.0" encoding="utf-8"?>
+<p:sld xmlns:a="http://schemas.openxmlformats.org/drawingml/2006/main" xmlns:r="http://schemas.openxmlformats.org/officeDocument/2006/relationships" xmlns:p="http://schemas.openxmlformats.org/presentationml/2006/main">
+  <p:cSld>
+    <p:spTree>
+      <p:nvGrpSpPr>
+        <p:cNvPr id="1" name=""/>
+        <p:cNvGrpSpPr/>
+        <p:nvPr/>
+      </p:nvGrpSpPr>
+      <p:grpSpPr>
+        <a:xfrm>
+          <a:off x="0" y="0"/>
+          <a:ext cx="0" cy="0"/>
+          <a:chOff x="0" y="0"/>
+          <a:chExt cx="0" cy="0"/>
+        </a:xfrm>
+      </p:grpSpPr>
+      <p:sp>
+        <p:nvSpPr>
+          <p:cNvPr id="2" name="Title 1">
+            <a:extLst>
+              <a:ext uri="{FF2B5EF4-FFF2-40B4-BE49-F238E27FC236}">
+                <a16:creationId xmlns:a16="http://schemas.microsoft.com/office/drawing/2014/main" id="{B0848990-0D4C-44B8-A36A-995BEC312269}"/>
+              </a:ext>
+            </a:extLst>
+          </p:cNvPr>
+          <p:cNvSpPr>
+            <a:spLocks noGrp="1"/>
+          </p:cNvSpPr>
+          <p:nvPr>
+            <p:ph type="title"/>
+          </p:nvPr>
+        </p:nvSpPr>
+        <p:spPr/>
+        <p:txBody>
+          <a:bodyPr/>
+          <a:lstStyle/>
+          <a:p>
+            <a:r>
+              <a:rPr lang="en-US" altLang="zh-CN" dirty="0"/>
+              <a:t>Contribution</a:t>
+            </a:r>
+            <a:endParaRPr lang="zh-CN" altLang="en-US" dirty="0"/>
           </a:p>
         </p:txBody>
       </p:sp>
@@ -4257,7 +5245,7 @@
     </p:spTree>
     <p:extLst>
       <p:ext uri="{BB962C8B-B14F-4D97-AF65-F5344CB8AC3E}">
-        <p14:creationId xmlns:p14="http://schemas.microsoft.com/office/powerpoint/2010/main" val="1666886498"/>
+        <p14:creationId xmlns:p14="http://schemas.microsoft.com/office/powerpoint/2010/main" val="3041907234"/>
       </p:ext>
     </p:extLst>
   </p:cSld>
@@ -4267,7 +5255,7 @@
 </p:sld>
 </file>
 
-<file path=ppt/slides/slide3.xml><?xml version="1.0" encoding="utf-8"?>
+<file path=ppt/slides/slide4.xml><?xml version="1.0" encoding="utf-8"?>
 <p:sld xmlns:a="http://schemas.openxmlformats.org/drawingml/2006/main" xmlns:r="http://schemas.openxmlformats.org/officeDocument/2006/relationships" xmlns:p="http://schemas.openxmlformats.org/presentationml/2006/main">
   <p:cSld>
     <p:spTree>
@@ -4305,7 +5293,11 @@
           <a:bodyPr/>
           <a:lstStyle/>
           <a:p>
-            <a:endParaRPr lang="zh-CN" altLang="en-US"/>
+            <a:r>
+              <a:rPr lang="en-US" altLang="zh-CN" dirty="0"/>
+              <a:t>CBF Verification</a:t>
+            </a:r>
+            <a:endParaRPr lang="zh-CN" altLang="en-US" dirty="0"/>
           </a:p>
         </p:txBody>
       </p:sp>
@@ -4375,75 +5367,165 @@
                           </m:ctrlPr>
                         </m:eqArrPr>
                         <m:e>
-                          <m:acc>
-                            <m:accPr>
-                              <m:chr m:val="̇"/>
-                              <m:ctrlPr>
-                                <a:rPr lang="en-US" altLang="zh-CN" sz="2000" b="0" i="1" smtClean="0">
-                                  <a:latin typeface="Cambria Math" panose="02040503050406030204" pitchFamily="18" charset="0"/>
-                                  <a:cs typeface="Times New Roman" panose="02020603050405020304" pitchFamily="18" charset="0"/>
-                                </a:rPr>
-                              </m:ctrlPr>
-                            </m:accPr>
-                            <m:e>
-                              <m:r>
-                                <a:rPr lang="en-US" altLang="zh-CN" sz="2000" b="0" i="1" smtClean="0">
-                                  <a:latin typeface="Cambria Math" panose="02040503050406030204" pitchFamily="18" charset="0"/>
-                                  <a:cs typeface="Times New Roman" panose="02020603050405020304" pitchFamily="18" charset="0"/>
-                                </a:rPr>
-                                <m:t>𝑥</m:t>
-                              </m:r>
-                            </m:e>
-                          </m:acc>
-                          <m:d>
-                            <m:dPr>
+                          <m:eqArr>
+                            <m:eqArrPr>
                               <m:ctrlPr>
                                 <a:rPr lang="en-US" altLang="zh-CN" sz="2000" b="0" i="1" dirty="0" smtClean="0">
                                   <a:latin typeface="Cambria Math" panose="02040503050406030204" pitchFamily="18" charset="0"/>
                                   <a:cs typeface="Times New Roman" panose="02020603050405020304" pitchFamily="18" charset="0"/>
                                 </a:rPr>
                               </m:ctrlPr>
-                            </m:dPr>
+                            </m:eqArrPr>
                             <m:e>
+                              <m:acc>
+                                <m:accPr>
+                                  <m:chr m:val="̇"/>
+                                  <m:ctrlPr>
+                                    <a:rPr lang="en-US" altLang="zh-CN" sz="2000" b="0" i="1" smtClean="0">
+                                      <a:latin typeface="Cambria Math" panose="02040503050406030204" pitchFamily="18" charset="0"/>
+                                      <a:cs typeface="Times New Roman" panose="02020603050405020304" pitchFamily="18" charset="0"/>
+                                    </a:rPr>
+                                  </m:ctrlPr>
+                                </m:accPr>
+                                <m:e>
+                                  <m:r>
+                                    <a:rPr lang="en-US" altLang="zh-CN" sz="2000" b="0" i="1" smtClean="0">
+                                      <a:latin typeface="Cambria Math" panose="02040503050406030204" pitchFamily="18" charset="0"/>
+                                      <a:cs typeface="Times New Roman" panose="02020603050405020304" pitchFamily="18" charset="0"/>
+                                    </a:rPr>
+                                    <m:t>𝑥</m:t>
+                                  </m:r>
+                                </m:e>
+                              </m:acc>
+                              <m:d>
+                                <m:dPr>
+                                  <m:ctrlPr>
+                                    <a:rPr lang="en-US" altLang="zh-CN" sz="2000" b="0" i="1" dirty="0" smtClean="0">
+                                      <a:latin typeface="Cambria Math" panose="02040503050406030204" pitchFamily="18" charset="0"/>
+                                      <a:cs typeface="Times New Roman" panose="02020603050405020304" pitchFamily="18" charset="0"/>
+                                    </a:rPr>
+                                  </m:ctrlPr>
+                                </m:dPr>
+                                <m:e>
+                                  <m:r>
+                                    <a:rPr lang="en-US" altLang="zh-CN" sz="2000" b="0" i="1" dirty="0" smtClean="0">
+                                      <a:latin typeface="Cambria Math" panose="02040503050406030204" pitchFamily="18" charset="0"/>
+                                      <a:cs typeface="Times New Roman" panose="02020603050405020304" pitchFamily="18" charset="0"/>
+                                    </a:rPr>
+                                    <m:t>𝑡</m:t>
+                                  </m:r>
+                                </m:e>
+                              </m:d>
                               <m:r>
                                 <a:rPr lang="en-US" altLang="zh-CN" sz="2000" b="0" i="1" dirty="0" smtClean="0">
                                   <a:latin typeface="Cambria Math" panose="02040503050406030204" pitchFamily="18" charset="0"/>
                                   <a:cs typeface="Times New Roman" panose="02020603050405020304" pitchFamily="18" charset="0"/>
                                 </a:rPr>
-                                <m:t>𝑡</m:t>
+                                <m:t>=</m:t>
                               </m:r>
-                            </m:e>
-                          </m:d>
-                          <m:r>
-                            <a:rPr lang="en-US" altLang="zh-CN" sz="2000" b="0" i="1" dirty="0" smtClean="0">
-                              <a:latin typeface="Cambria Math" panose="02040503050406030204" pitchFamily="18" charset="0"/>
-                              <a:cs typeface="Times New Roman" panose="02020603050405020304" pitchFamily="18" charset="0"/>
-                            </a:rPr>
-                            <m:t>=</m:t>
-                          </m:r>
-                          <m:r>
-                            <a:rPr lang="en-US" altLang="zh-CN" sz="2000" b="0" i="1" dirty="0" smtClean="0">
-                              <a:latin typeface="Cambria Math" panose="02040503050406030204" pitchFamily="18" charset="0"/>
-                              <a:cs typeface="Times New Roman" panose="02020603050405020304" pitchFamily="18" charset="0"/>
-                            </a:rPr>
-                            <m:t>𝑓</m:t>
-                          </m:r>
-                          <m:d>
-                            <m:dPr>
-                              <m:ctrlPr>
-                                <a:rPr lang="en-US" altLang="zh-CN" sz="2000" b="0" i="1" dirty="0" smtClean="0">
-                                  <a:latin typeface="Cambria Math" panose="02040503050406030204" pitchFamily="18" charset="0"/>
-                                  <a:cs typeface="Times New Roman" panose="02020603050405020304" pitchFamily="18" charset="0"/>
-                                </a:rPr>
-                              </m:ctrlPr>
-                            </m:dPr>
-                            <m:e>
                               <m:r>
                                 <a:rPr lang="en-US" altLang="zh-CN" sz="2000" b="0" i="1" dirty="0" smtClean="0">
                                   <a:latin typeface="Cambria Math" panose="02040503050406030204" pitchFamily="18" charset="0"/>
                                   <a:cs typeface="Times New Roman" panose="02020603050405020304" pitchFamily="18" charset="0"/>
                                 </a:rPr>
-                                <m:t>𝑥</m:t>
+                                <m:t>𝑓</m:t>
+                              </m:r>
+                              <m:d>
+                                <m:dPr>
+                                  <m:ctrlPr>
+                                    <a:rPr lang="en-US" altLang="zh-CN" sz="2000" b="0" i="1" dirty="0" smtClean="0">
+                                      <a:latin typeface="Cambria Math" panose="02040503050406030204" pitchFamily="18" charset="0"/>
+                                      <a:cs typeface="Times New Roman" panose="02020603050405020304" pitchFamily="18" charset="0"/>
+                                    </a:rPr>
+                                  </m:ctrlPr>
+                                </m:dPr>
+                                <m:e>
+                                  <m:r>
+                                    <a:rPr lang="en-US" altLang="zh-CN" sz="2000" b="0" i="1" dirty="0" smtClean="0">
+                                      <a:latin typeface="Cambria Math" panose="02040503050406030204" pitchFamily="18" charset="0"/>
+                                      <a:cs typeface="Times New Roman" panose="02020603050405020304" pitchFamily="18" charset="0"/>
+                                    </a:rPr>
+                                    <m:t>𝑥</m:t>
+                                  </m:r>
+                                  <m:d>
+                                    <m:dPr>
+                                      <m:ctrlPr>
+                                        <a:rPr lang="en-US" altLang="zh-CN" sz="2000" b="0" i="1" dirty="0" smtClean="0">
+                                          <a:latin typeface="Cambria Math" panose="02040503050406030204" pitchFamily="18" charset="0"/>
+                                          <a:cs typeface="Times New Roman" panose="02020603050405020304" pitchFamily="18" charset="0"/>
+                                        </a:rPr>
+                                      </m:ctrlPr>
+                                    </m:dPr>
+                                    <m:e>
+                                      <m:r>
+                                        <a:rPr lang="en-US" altLang="zh-CN" sz="2000" b="0" i="1" dirty="0" smtClean="0">
+                                          <a:latin typeface="Cambria Math" panose="02040503050406030204" pitchFamily="18" charset="0"/>
+                                          <a:cs typeface="Times New Roman" panose="02020603050405020304" pitchFamily="18" charset="0"/>
+                                        </a:rPr>
+                                        <m:t>𝑡</m:t>
+                                      </m:r>
+                                    </m:e>
+                                  </m:d>
+                                </m:e>
+                              </m:d>
+                              <m:r>
+                                <a:rPr lang="en-US" altLang="zh-CN" sz="2000" b="0" i="1" dirty="0" smtClean="0">
+                                  <a:latin typeface="Cambria Math" panose="02040503050406030204" pitchFamily="18" charset="0"/>
+                                  <a:cs typeface="Times New Roman" panose="02020603050405020304" pitchFamily="18" charset="0"/>
+                                </a:rPr>
+                                <m:t>+</m:t>
+                              </m:r>
+                              <m:r>
+                                <a:rPr lang="en-US" altLang="zh-CN" sz="2000" b="0" i="1" dirty="0" smtClean="0">
+                                  <a:latin typeface="Cambria Math" panose="02040503050406030204" pitchFamily="18" charset="0"/>
+                                  <a:cs typeface="Times New Roman" panose="02020603050405020304" pitchFamily="18" charset="0"/>
+                                </a:rPr>
+                                <m:t>𝑔</m:t>
+                              </m:r>
+                              <m:d>
+                                <m:dPr>
+                                  <m:ctrlPr>
+                                    <a:rPr lang="en-US" altLang="zh-CN" sz="2000" b="0" i="1" dirty="0" smtClean="0">
+                                      <a:latin typeface="Cambria Math" panose="02040503050406030204" pitchFamily="18" charset="0"/>
+                                      <a:cs typeface="Times New Roman" panose="02020603050405020304" pitchFamily="18" charset="0"/>
+                                    </a:rPr>
+                                  </m:ctrlPr>
+                                </m:dPr>
+                                <m:e>
+                                  <m:r>
+                                    <a:rPr lang="en-US" altLang="zh-CN" sz="2000" b="0" i="1" dirty="0" smtClean="0">
+                                      <a:latin typeface="Cambria Math" panose="02040503050406030204" pitchFamily="18" charset="0"/>
+                                      <a:cs typeface="Times New Roman" panose="02020603050405020304" pitchFamily="18" charset="0"/>
+                                    </a:rPr>
+                                    <m:t>𝑥</m:t>
+                                  </m:r>
+                                  <m:d>
+                                    <m:dPr>
+                                      <m:ctrlPr>
+                                        <a:rPr lang="en-US" altLang="zh-CN" sz="2000" b="0" i="1" dirty="0" smtClean="0">
+                                          <a:latin typeface="Cambria Math" panose="02040503050406030204" pitchFamily="18" charset="0"/>
+                                          <a:cs typeface="Times New Roman" panose="02020603050405020304" pitchFamily="18" charset="0"/>
+                                        </a:rPr>
+                                      </m:ctrlPr>
+                                    </m:dPr>
+                                    <m:e>
+                                      <m:r>
+                                        <a:rPr lang="en-US" altLang="zh-CN" sz="2000" b="0" i="1" dirty="0" smtClean="0">
+                                          <a:latin typeface="Cambria Math" panose="02040503050406030204" pitchFamily="18" charset="0"/>
+                                          <a:cs typeface="Times New Roman" panose="02020603050405020304" pitchFamily="18" charset="0"/>
+                                        </a:rPr>
+                                        <m:t>𝑡</m:t>
+                                      </m:r>
+                                    </m:e>
+                                  </m:d>
+                                </m:e>
+                              </m:d>
+                              <m:r>
+                                <a:rPr lang="en-US" altLang="zh-CN" sz="2000" b="0" i="1" dirty="0" smtClean="0">
+                                  <a:latin typeface="Cambria Math" panose="02040503050406030204" pitchFamily="18" charset="0"/>
+                                  <a:cs typeface="Times New Roman" panose="02020603050405020304" pitchFamily="18" charset="0"/>
+                                </a:rPr>
+                                <m:t>𝑢</m:t>
                               </m:r>
                               <m:d>
                                 <m:dPr>
@@ -4464,86 +5546,15 @@
                                   </m:r>
                                 </m:e>
                               </m:d>
-                            </m:e>
-                          </m:d>
-                          <m:r>
-                            <a:rPr lang="en-US" altLang="zh-CN" sz="2000" b="0" i="1" dirty="0" smtClean="0">
-                              <a:latin typeface="Cambria Math" panose="02040503050406030204" pitchFamily="18" charset="0"/>
-                              <a:cs typeface="Times New Roman" panose="02020603050405020304" pitchFamily="18" charset="0"/>
-                            </a:rPr>
-                            <m:t>+</m:t>
-                          </m:r>
-                          <m:r>
-                            <a:rPr lang="en-US" altLang="zh-CN" sz="2000" b="0" i="1" dirty="0" smtClean="0">
-                              <a:latin typeface="Cambria Math" panose="02040503050406030204" pitchFamily="18" charset="0"/>
-                              <a:cs typeface="Times New Roman" panose="02020603050405020304" pitchFamily="18" charset="0"/>
-                            </a:rPr>
-                            <m:t>𝑔</m:t>
-                          </m:r>
-                          <m:d>
-                            <m:dPr>
-                              <m:ctrlPr>
-                                <a:rPr lang="en-US" altLang="zh-CN" sz="2000" b="0" i="1" dirty="0" smtClean="0">
-                                  <a:latin typeface="Cambria Math" panose="02040503050406030204" pitchFamily="18" charset="0"/>
-                                  <a:cs typeface="Times New Roman" panose="02020603050405020304" pitchFamily="18" charset="0"/>
-                                </a:rPr>
-                              </m:ctrlPr>
-                            </m:dPr>
-                            <m:e>
                               <m:r>
                                 <a:rPr lang="en-US" altLang="zh-CN" sz="2000" b="0" i="1" dirty="0" smtClean="0">
                                   <a:latin typeface="Cambria Math" panose="02040503050406030204" pitchFamily="18" charset="0"/>
                                   <a:cs typeface="Times New Roman" panose="02020603050405020304" pitchFamily="18" charset="0"/>
                                 </a:rPr>
-                                <m:t>𝑥</m:t>
-                              </m:r>
-                              <m:d>
-                                <m:dPr>
-                                  <m:ctrlPr>
-                                    <a:rPr lang="en-US" altLang="zh-CN" sz="2000" b="0" i="1" dirty="0" smtClean="0">
-                                      <a:latin typeface="Cambria Math" panose="02040503050406030204" pitchFamily="18" charset="0"/>
-                                      <a:cs typeface="Times New Roman" panose="02020603050405020304" pitchFamily="18" charset="0"/>
-                                    </a:rPr>
-                                  </m:ctrlPr>
-                                </m:dPr>
-                                <m:e>
-                                  <m:r>
-                                    <a:rPr lang="en-US" altLang="zh-CN" sz="2000" b="0" i="1" dirty="0" smtClean="0">
-                                      <a:latin typeface="Cambria Math" panose="02040503050406030204" pitchFamily="18" charset="0"/>
-                                      <a:cs typeface="Times New Roman" panose="02020603050405020304" pitchFamily="18" charset="0"/>
-                                    </a:rPr>
-                                    <m:t>𝑡</m:t>
-                                  </m:r>
-                                </m:e>
-                              </m:d>
-                            </m:e>
-                          </m:d>
-                          <m:r>
-                            <a:rPr lang="en-US" altLang="zh-CN" sz="2000" b="0" i="1" dirty="0" smtClean="0">
-                              <a:latin typeface="Cambria Math" panose="02040503050406030204" pitchFamily="18" charset="0"/>
-                              <a:cs typeface="Times New Roman" panose="02020603050405020304" pitchFamily="18" charset="0"/>
-                            </a:rPr>
-                            <m:t>𝑢</m:t>
-                          </m:r>
-                          <m:d>
-                            <m:dPr>
-                              <m:ctrlPr>
-                                <a:rPr lang="en-US" altLang="zh-CN" sz="2000" b="0" i="1" dirty="0" smtClean="0">
-                                  <a:latin typeface="Cambria Math" panose="02040503050406030204" pitchFamily="18" charset="0"/>
-                                  <a:cs typeface="Times New Roman" panose="02020603050405020304" pitchFamily="18" charset="0"/>
-                                </a:rPr>
-                              </m:ctrlPr>
-                            </m:dPr>
-                            <m:e>
-                              <m:r>
-                                <a:rPr lang="en-US" altLang="zh-CN" sz="2000" b="0" i="1" dirty="0" smtClean="0">
-                                  <a:latin typeface="Cambria Math" panose="02040503050406030204" pitchFamily="18" charset="0"/>
-                                  <a:cs typeface="Times New Roman" panose="02020603050405020304" pitchFamily="18" charset="0"/>
-                                </a:rPr>
-                                <m:t>𝑡</m:t>
+                                <m:t>#</m:t>
                               </m:r>
                             </m:e>
-                          </m:d>
+                          </m:eqArr>
                           <m:r>
                             <a:rPr lang="en-US" altLang="zh-CN" sz="2000" b="0" i="1" dirty="0" smtClean="0">
                               <a:latin typeface="Cambria Math" panose="02040503050406030204" pitchFamily="18" charset="0"/>
@@ -5559,7 +6570,7 @@
 </p:sld>
 </file>
 
-<file path=ppt/slides/slide4.xml><?xml version="1.0" encoding="utf-8"?>
+<file path=ppt/slides/slide5.xml><?xml version="1.0" encoding="utf-8"?>
 <p:sld xmlns:a="http://schemas.openxmlformats.org/drawingml/2006/main" xmlns:r="http://schemas.openxmlformats.org/officeDocument/2006/relationships" xmlns:p="http://schemas.openxmlformats.org/presentationml/2006/main">
   <p:cSld>
     <p:spTree>
@@ -5597,12 +6608,16 @@
           <a:bodyPr/>
           <a:lstStyle/>
           <a:p>
-            <a:endParaRPr lang="zh-CN" altLang="en-US"/>
+            <a:r>
+              <a:rPr lang="en-US" altLang="zh-CN" dirty="0"/>
+              <a:t>CBF Verification</a:t>
+            </a:r>
+            <a:endParaRPr lang="zh-CN" altLang="en-US" dirty="0"/>
           </a:p>
         </p:txBody>
       </p:sp>
-      <mc:AlternateContent xmlns:mc="http://schemas.openxmlformats.org/markup-compatibility/2006">
-        <mc:Choice xmlns:a14="http://schemas.microsoft.com/office/drawing/2010/main" Requires="a14">
+      <mc:AlternateContent xmlns:mc="http://schemas.openxmlformats.org/markup-compatibility/2006" xmlns:a14="http://schemas.microsoft.com/office/drawing/2010/main">
+        <mc:Choice Requires="a14">
           <p:sp>
             <p:nvSpPr>
               <p:cNvPr id="3" name="Content Placeholder 2">
@@ -5864,13 +6879,7 @@
                       <a:rPr lang="en-US" altLang="zh-CN" sz="2400" b="0" i="1" smtClean="0">
                         <a:latin typeface="Cambria Math" panose="02040503050406030204" pitchFamily="18" charset="0"/>
                       </a:rPr>
-                      <m:t>≥</m:t>
-                    </m:r>
-                    <m:r>
-                      <a:rPr lang="en-US" altLang="zh-CN" sz="2400" b="0" i="1" smtClean="0">
-                        <a:latin typeface="Cambria Math" panose="02040503050406030204" pitchFamily="18" charset="0"/>
-                      </a:rPr>
-                      <m:t>0</m:t>
+                      <m:t>≥0</m:t>
                     </m:r>
                   </m:oMath>
                 </a14:m>
@@ -6115,7 +7124,7 @@
             </p:txBody>
           </p:sp>
         </mc:Choice>
-        <mc:Fallback>
+        <mc:Fallback xmlns="">
           <p:sp>
             <p:nvSpPr>
               <p:cNvPr id="3" name="Content Placeholder 2">
@@ -6172,7 +7181,7 @@
 </p:sld>
 </file>
 
-<file path=ppt/slides/slide5.xml><?xml version="1.0" encoding="utf-8"?>
+<file path=ppt/slides/slide6.xml><?xml version="1.0" encoding="utf-8"?>
 <p:sld xmlns:a="http://schemas.openxmlformats.org/drawingml/2006/main" xmlns:r="http://schemas.openxmlformats.org/officeDocument/2006/relationships" xmlns:p="http://schemas.openxmlformats.org/presentationml/2006/main">
   <p:cSld>
     <p:spTree>
@@ -6210,12 +7219,16 @@
           <a:bodyPr/>
           <a:lstStyle/>
           <a:p>
-            <a:endParaRPr lang="zh-CN" altLang="en-US"/>
+            <a:r>
+              <a:rPr lang="en-US" altLang="zh-CN" dirty="0"/>
+              <a:t>CBF Verification</a:t>
+            </a:r>
+            <a:endParaRPr lang="zh-CN" altLang="en-US" dirty="0"/>
           </a:p>
         </p:txBody>
       </p:sp>
-      <mc:AlternateContent xmlns:mc="http://schemas.openxmlformats.org/markup-compatibility/2006">
-        <mc:Choice xmlns:a14="http://schemas.microsoft.com/office/drawing/2010/main" Requires="a14">
+      <mc:AlternateContent xmlns:mc="http://schemas.openxmlformats.org/markup-compatibility/2006" xmlns:a14="http://schemas.microsoft.com/office/drawing/2010/main">
+        <mc:Choice Requires="a14">
           <p:sp>
             <p:nvSpPr>
               <p:cNvPr id="3" name="Content Placeholder 2">
@@ -7546,7 +8559,7 @@
             </p:txBody>
           </p:sp>
         </mc:Choice>
-        <mc:Fallback>
+        <mc:Fallback xmlns="">
           <p:sp>
             <p:nvSpPr>
               <p:cNvPr id="3" name="Content Placeholder 2">
@@ -7599,7 +8612,7 @@
 </p:sld>
 </file>
 
-<file path=ppt/slides/slide6.xml><?xml version="1.0" encoding="utf-8"?>
+<file path=ppt/slides/slide7.xml><?xml version="1.0" encoding="utf-8"?>
 <p:sld xmlns:a="http://schemas.openxmlformats.org/drawingml/2006/main" xmlns:r="http://schemas.openxmlformats.org/officeDocument/2006/relationships" xmlns:p="http://schemas.openxmlformats.org/presentationml/2006/main">
   <p:cSld>
     <p:spTree>
@@ -7656,8 +8669,8 @@
           </a:p>
         </p:txBody>
       </p:sp>
-      <mc:AlternateContent xmlns:mc="http://schemas.openxmlformats.org/markup-compatibility/2006">
-        <mc:Choice xmlns:a14="http://schemas.microsoft.com/office/drawing/2010/main" Requires="a14">
+      <mc:AlternateContent xmlns:mc="http://schemas.openxmlformats.org/markup-compatibility/2006" xmlns:a14="http://schemas.microsoft.com/office/drawing/2010/main">
+        <mc:Choice Requires="a14">
           <p:sp>
             <p:nvSpPr>
               <p:cNvPr id="3" name="Content Placeholder 2">
@@ -9158,7 +10171,7 @@
             </p:txBody>
           </p:sp>
         </mc:Choice>
-        <mc:Fallback>
+        <mc:Fallback xmlns="">
           <p:sp>
             <p:nvSpPr>
               <p:cNvPr id="3" name="Content Placeholder 2">
@@ -9215,7 +10228,7 @@
 </p:sld>
 </file>
 
-<file path=ppt/slides/slide7.xml><?xml version="1.0" encoding="utf-8"?>
+<file path=ppt/slides/slide8.xml><?xml version="1.0" encoding="utf-8"?>
 <p:sld xmlns:a="http://schemas.openxmlformats.org/drawingml/2006/main" xmlns:r="http://schemas.openxmlformats.org/officeDocument/2006/relationships" xmlns:p="http://schemas.openxmlformats.org/presentationml/2006/main">
   <p:cSld>
     <p:spTree>
@@ -9264,8 +10277,8 @@
           </a:p>
         </p:txBody>
       </p:sp>
-      <mc:AlternateContent xmlns:mc="http://schemas.openxmlformats.org/markup-compatibility/2006">
-        <mc:Choice xmlns:a14="http://schemas.microsoft.com/office/drawing/2010/main" Requires="a14">
+      <mc:AlternateContent xmlns:mc="http://schemas.openxmlformats.org/markup-compatibility/2006" xmlns:a14="http://schemas.microsoft.com/office/drawing/2010/main">
+        <mc:Choice Requires="a14">
           <p:sp>
             <p:nvSpPr>
               <p:cNvPr id="3" name="Content Placeholder 2">
@@ -10767,7 +11780,7 @@
             </p:txBody>
           </p:sp>
         </mc:Choice>
-        <mc:Fallback>
+        <mc:Fallback xmlns="">
           <p:sp>
             <p:nvSpPr>
               <p:cNvPr id="3" name="Content Placeholder 2">
@@ -10811,855 +11824,6 @@
     <p:extLst>
       <p:ext uri="{BB962C8B-B14F-4D97-AF65-F5344CB8AC3E}">
         <p14:creationId xmlns:p14="http://schemas.microsoft.com/office/powerpoint/2010/main" val="3460132742"/>
-      </p:ext>
-    </p:extLst>
-  </p:cSld>
-  <p:clrMapOvr>
-    <a:masterClrMapping/>
-  </p:clrMapOvr>
-</p:sld>
-</file>
-
-<file path=ppt/slides/slide8.xml><?xml version="1.0" encoding="utf-8"?>
-<p:sld xmlns:a="http://schemas.openxmlformats.org/drawingml/2006/main" xmlns:r="http://schemas.openxmlformats.org/officeDocument/2006/relationships" xmlns:p="http://schemas.openxmlformats.org/presentationml/2006/main">
-  <p:cSld>
-    <p:spTree>
-      <p:nvGrpSpPr>
-        <p:cNvPr id="1" name=""/>
-        <p:cNvGrpSpPr/>
-        <p:nvPr/>
-      </p:nvGrpSpPr>
-      <p:grpSpPr>
-        <a:xfrm>
-          <a:off x="0" y="0"/>
-          <a:ext cx="0" cy="0"/>
-          <a:chOff x="0" y="0"/>
-          <a:chExt cx="0" cy="0"/>
-        </a:xfrm>
-      </p:grpSpPr>
-      <p:sp>
-        <p:nvSpPr>
-          <p:cNvPr id="2" name="Title 1">
-            <a:extLst>
-              <a:ext uri="{FF2B5EF4-FFF2-40B4-BE49-F238E27FC236}">
-                <a16:creationId xmlns:a16="http://schemas.microsoft.com/office/drawing/2014/main" id="{9D746428-AE0A-45C6-8594-15C6F390E68A}"/>
-              </a:ext>
-            </a:extLst>
-          </p:cNvPr>
-          <p:cNvSpPr>
-            <a:spLocks noGrp="1"/>
-          </p:cNvSpPr>
-          <p:nvPr>
-            <p:ph type="title"/>
-          </p:nvPr>
-        </p:nvSpPr>
-        <p:spPr/>
-        <p:txBody>
-          <a:bodyPr/>
-          <a:lstStyle/>
-          <a:p>
-            <a:r>
-              <a:rPr lang="en-US" altLang="zh-CN" dirty="0">
-                <a:latin typeface="Times New Roman" panose="02020603050405020304" pitchFamily="18" charset="0"/>
-                <a:cs typeface="Times New Roman" panose="02020603050405020304" pitchFamily="18" charset="0"/>
-              </a:rPr>
-              <a:t>Compact Safe Region</a:t>
-            </a:r>
-            <a:endParaRPr lang="zh-CN" altLang="en-US" dirty="0">
-              <a:latin typeface="Times New Roman" panose="02020603050405020304" pitchFamily="18" charset="0"/>
-              <a:cs typeface="Times New Roman" panose="02020603050405020304" pitchFamily="18" charset="0"/>
-            </a:endParaRPr>
-          </a:p>
-        </p:txBody>
-      </p:sp>
-      <mc:AlternateContent xmlns:mc="http://schemas.openxmlformats.org/markup-compatibility/2006">
-        <mc:Choice xmlns:a14="http://schemas.microsoft.com/office/drawing/2010/main" Requires="a14">
-          <p:sp>
-            <p:nvSpPr>
-              <p:cNvPr id="3" name="Content Placeholder 2">
-                <a:extLst>
-                  <a:ext uri="{FF2B5EF4-FFF2-40B4-BE49-F238E27FC236}">
-                    <a16:creationId xmlns:a16="http://schemas.microsoft.com/office/drawing/2014/main" id="{82482E14-9285-4EC3-A943-2B7DB3EC8A1D}"/>
-                  </a:ext>
-                </a:extLst>
-              </p:cNvPr>
-              <p:cNvSpPr>
-                <a:spLocks noGrp="1"/>
-              </p:cNvSpPr>
-              <p:nvPr>
-                <p:ph idx="1"/>
-              </p:nvPr>
-            </p:nvSpPr>
-            <p:spPr/>
-            <p:txBody>
-              <a:bodyPr>
-                <a:normAutofit/>
-              </a:bodyPr>
-              <a:lstStyle/>
-              <a:p>
-                <a:pPr>
-                  <a:lnSpc>
-                    <a:spcPct val="100000"/>
-                  </a:lnSpc>
-                </a:pPr>
-                <a:r>
-                  <a:rPr lang="en-US" altLang="zh-CN" sz="2400" dirty="0">
-                    <a:latin typeface="Times New Roman" panose="02020603050405020304" pitchFamily="18" charset="0"/>
-                    <a:cs typeface="Times New Roman" panose="02020603050405020304" pitchFamily="18" charset="0"/>
-                  </a:rPr>
-                  <a:t>Let </a:t>
-                </a:r>
-                <a14:m>
-                  <m:oMath xmlns:m="http://schemas.openxmlformats.org/officeDocument/2006/math">
-                    <m:d>
-                      <m:dPr>
-                        <m:ctrlPr>
-                          <a:rPr lang="en-US" altLang="zh-CN" sz="2400" b="0" i="1" smtClean="0">
-                            <a:latin typeface="Cambria Math" panose="02040503050406030204" pitchFamily="18" charset="0"/>
-                          </a:rPr>
-                        </m:ctrlPr>
-                      </m:dPr>
-                      <m:e>
-                        <m:sSup>
-                          <m:sSupPr>
-                            <m:ctrlPr>
-                              <a:rPr lang="en-US" altLang="zh-CN" sz="2400" b="0" i="1" smtClean="0">
-                                <a:latin typeface="Cambria Math" panose="02040503050406030204" pitchFamily="18" charset="0"/>
-                              </a:rPr>
-                            </m:ctrlPr>
-                          </m:sSupPr>
-                          <m:e>
-                            <m:r>
-                              <a:rPr lang="en-US" altLang="zh-CN" sz="2400" b="0" i="1" smtClean="0">
-                                <a:latin typeface="Cambria Math" panose="02040503050406030204" pitchFamily="18" charset="0"/>
-                              </a:rPr>
-                              <m:t>𝑥</m:t>
-                            </m:r>
-                          </m:e>
-                          <m:sup>
-                            <m:r>
-                              <a:rPr lang="en-US" altLang="zh-CN" sz="2400" b="0" i="1" smtClean="0">
-                                <a:latin typeface="Cambria Math" panose="02040503050406030204" pitchFamily="18" charset="0"/>
-                              </a:rPr>
-                              <m:t>∗</m:t>
-                            </m:r>
-                          </m:sup>
-                        </m:sSup>
-                        <m:r>
-                          <a:rPr lang="en-US" altLang="zh-CN" sz="2400" b="0" i="1" smtClean="0">
-                            <a:latin typeface="Cambria Math" panose="02040503050406030204" pitchFamily="18" charset="0"/>
-                          </a:rPr>
-                          <m:t>,</m:t>
-                        </m:r>
-                        <m:sSup>
-                          <m:sSupPr>
-                            <m:ctrlPr>
-                              <a:rPr lang="en-US" altLang="zh-CN" sz="2400" b="0" i="1" smtClean="0">
-                                <a:latin typeface="Cambria Math" panose="02040503050406030204" pitchFamily="18" charset="0"/>
-                              </a:rPr>
-                            </m:ctrlPr>
-                          </m:sSupPr>
-                          <m:e>
-                            <m:r>
-                              <a:rPr lang="en-US" altLang="zh-CN" sz="2400" b="0" i="1" smtClean="0">
-                                <a:latin typeface="Cambria Math" panose="02040503050406030204" pitchFamily="18" charset="0"/>
-                              </a:rPr>
-                              <m:t>𝑢</m:t>
-                            </m:r>
-                          </m:e>
-                          <m:sup>
-                            <m:r>
-                              <a:rPr lang="en-US" altLang="zh-CN" sz="2400" b="0" i="1" smtClean="0">
-                                <a:latin typeface="Cambria Math" panose="02040503050406030204" pitchFamily="18" charset="0"/>
-                              </a:rPr>
-                              <m:t>∗</m:t>
-                            </m:r>
-                          </m:sup>
-                        </m:sSup>
-                      </m:e>
-                    </m:d>
-                  </m:oMath>
-                </a14:m>
-                <a:r>
-                  <a:rPr lang="zh-CN" altLang="en-US" sz="2400" dirty="0">
-                    <a:latin typeface="Times New Roman" panose="02020603050405020304" pitchFamily="18" charset="0"/>
-                    <a:cs typeface="Times New Roman" panose="02020603050405020304" pitchFamily="18" charset="0"/>
-                  </a:rPr>
-                  <a:t> </a:t>
-                </a:r>
-                <a:r>
-                  <a:rPr lang="en-US" altLang="zh-CN" sz="2400" dirty="0">
-                    <a:latin typeface="Times New Roman" panose="02020603050405020304" pitchFamily="18" charset="0"/>
-                    <a:cs typeface="Times New Roman" panose="02020603050405020304" pitchFamily="18" charset="0"/>
-                  </a:rPr>
-                  <a:t>satisfy </a:t>
-                </a:r>
-                <a14:m>
-                  <m:oMath xmlns:m="http://schemas.openxmlformats.org/officeDocument/2006/math">
-                    <m:r>
-                      <a:rPr lang="en-US" altLang="zh-CN" sz="2400" b="0" i="1" smtClean="0">
-                        <a:latin typeface="Cambria Math" panose="02040503050406030204" pitchFamily="18" charset="0"/>
-                      </a:rPr>
-                      <m:t>𝑓</m:t>
-                    </m:r>
-                    <m:d>
-                      <m:dPr>
-                        <m:ctrlPr>
-                          <a:rPr lang="en-US" altLang="zh-CN" sz="2400" b="0" i="1" smtClean="0">
-                            <a:latin typeface="Cambria Math" panose="02040503050406030204" pitchFamily="18" charset="0"/>
-                          </a:rPr>
-                        </m:ctrlPr>
-                      </m:dPr>
-                      <m:e>
-                        <m:sSup>
-                          <m:sSupPr>
-                            <m:ctrlPr>
-                              <a:rPr lang="en-US" altLang="zh-CN" sz="2400" b="0" i="1" smtClean="0">
-                                <a:latin typeface="Cambria Math" panose="02040503050406030204" pitchFamily="18" charset="0"/>
-                              </a:rPr>
-                            </m:ctrlPr>
-                          </m:sSupPr>
-                          <m:e>
-                            <m:r>
-                              <a:rPr lang="en-US" altLang="zh-CN" sz="2400" b="0" i="1" smtClean="0">
-                                <a:latin typeface="Cambria Math" panose="02040503050406030204" pitchFamily="18" charset="0"/>
-                              </a:rPr>
-                              <m:t>𝑥</m:t>
-                            </m:r>
-                          </m:e>
-                          <m:sup>
-                            <m:r>
-                              <a:rPr lang="en-US" altLang="zh-CN" sz="2400" b="0" i="1" smtClean="0">
-                                <a:latin typeface="Cambria Math" panose="02040503050406030204" pitchFamily="18" charset="0"/>
-                              </a:rPr>
-                              <m:t>∗</m:t>
-                            </m:r>
-                          </m:sup>
-                        </m:sSup>
-                      </m:e>
-                    </m:d>
-                    <m:r>
-                      <a:rPr lang="en-US" altLang="zh-CN" sz="2400" b="0" i="1" smtClean="0">
-                        <a:latin typeface="Cambria Math" panose="02040503050406030204" pitchFamily="18" charset="0"/>
-                      </a:rPr>
-                      <m:t>+</m:t>
-                    </m:r>
-                    <m:r>
-                      <a:rPr lang="en-US" altLang="zh-CN" sz="2400" b="0" i="1" smtClean="0">
-                        <a:latin typeface="Cambria Math" panose="02040503050406030204" pitchFamily="18" charset="0"/>
-                      </a:rPr>
-                      <m:t>𝑔</m:t>
-                    </m:r>
-                    <m:d>
-                      <m:dPr>
-                        <m:ctrlPr>
-                          <a:rPr lang="en-US" altLang="zh-CN" sz="2400" b="0" i="1" smtClean="0">
-                            <a:latin typeface="Cambria Math" panose="02040503050406030204" pitchFamily="18" charset="0"/>
-                          </a:rPr>
-                        </m:ctrlPr>
-                      </m:dPr>
-                      <m:e>
-                        <m:sSup>
-                          <m:sSupPr>
-                            <m:ctrlPr>
-                              <a:rPr lang="en-US" altLang="zh-CN" sz="2400" b="0" i="1" smtClean="0">
-                                <a:latin typeface="Cambria Math" panose="02040503050406030204" pitchFamily="18" charset="0"/>
-                              </a:rPr>
-                            </m:ctrlPr>
-                          </m:sSupPr>
-                          <m:e>
-                            <m:r>
-                              <a:rPr lang="en-US" altLang="zh-CN" sz="2400" b="0" i="1" smtClean="0">
-                                <a:latin typeface="Cambria Math" panose="02040503050406030204" pitchFamily="18" charset="0"/>
-                              </a:rPr>
-                              <m:t>𝑥</m:t>
-                            </m:r>
-                          </m:e>
-                          <m:sup>
-                            <m:r>
-                              <a:rPr lang="en-US" altLang="zh-CN" sz="2400" b="0" i="1" smtClean="0">
-                                <a:latin typeface="Cambria Math" panose="02040503050406030204" pitchFamily="18" charset="0"/>
-                              </a:rPr>
-                              <m:t>∗</m:t>
-                            </m:r>
-                          </m:sup>
-                        </m:sSup>
-                      </m:e>
-                    </m:d>
-                    <m:sSup>
-                      <m:sSupPr>
-                        <m:ctrlPr>
-                          <a:rPr lang="en-US" altLang="zh-CN" sz="2400" b="0" i="1" smtClean="0">
-                            <a:latin typeface="Cambria Math" panose="02040503050406030204" pitchFamily="18" charset="0"/>
-                          </a:rPr>
-                        </m:ctrlPr>
-                      </m:sSupPr>
-                      <m:e>
-                        <m:r>
-                          <a:rPr lang="en-US" altLang="zh-CN" sz="2400" b="0" i="1" smtClean="0">
-                            <a:latin typeface="Cambria Math" panose="02040503050406030204" pitchFamily="18" charset="0"/>
-                          </a:rPr>
-                          <m:t>𝑢</m:t>
-                        </m:r>
-                      </m:e>
-                      <m:sup>
-                        <m:r>
-                          <a:rPr lang="en-US" altLang="zh-CN" sz="2400" b="0" i="1" smtClean="0">
-                            <a:latin typeface="Cambria Math" panose="02040503050406030204" pitchFamily="18" charset="0"/>
-                          </a:rPr>
-                          <m:t>∗</m:t>
-                        </m:r>
-                      </m:sup>
-                    </m:sSup>
-                    <m:r>
-                      <a:rPr lang="en-US" altLang="zh-CN" sz="2400" b="0" i="1" smtClean="0">
-                        <a:latin typeface="Cambria Math" panose="02040503050406030204" pitchFamily="18" charset="0"/>
-                      </a:rPr>
-                      <m:t>=0</m:t>
-                    </m:r>
-                  </m:oMath>
-                </a14:m>
-                <a:r>
-                  <a:rPr lang="zh-CN" altLang="en-US" sz="2400" dirty="0">
-                    <a:latin typeface="Times New Roman" panose="02020603050405020304" pitchFamily="18" charset="0"/>
-                    <a:cs typeface="Times New Roman" panose="02020603050405020304" pitchFamily="18" charset="0"/>
-                  </a:rPr>
-                  <a:t> </a:t>
-                </a:r>
-                <a:r>
-                  <a:rPr lang="en-US" altLang="zh-CN" sz="2400" dirty="0">
-                    <a:latin typeface="Times New Roman" panose="02020603050405020304" pitchFamily="18" charset="0"/>
-                    <a:cs typeface="Times New Roman" panose="02020603050405020304" pitchFamily="18" charset="0"/>
-                  </a:rPr>
-                  <a:t>and </a:t>
-                </a:r>
-                <a14:m>
-                  <m:oMath xmlns:m="http://schemas.openxmlformats.org/officeDocument/2006/math">
-                    <m:sSup>
-                      <m:sSupPr>
-                        <m:ctrlPr>
-                          <a:rPr lang="en-US" altLang="zh-CN" sz="2400" b="0" i="1" smtClean="0">
-                            <a:latin typeface="Cambria Math" panose="02040503050406030204" pitchFamily="18" charset="0"/>
-                          </a:rPr>
-                        </m:ctrlPr>
-                      </m:sSupPr>
-                      <m:e>
-                        <m:r>
-                          <a:rPr lang="en-US" altLang="zh-CN" sz="2400" b="0" i="1" smtClean="0">
-                            <a:latin typeface="Cambria Math" panose="02040503050406030204" pitchFamily="18" charset="0"/>
-                          </a:rPr>
-                          <m:t>𝑥</m:t>
-                        </m:r>
-                      </m:e>
-                      <m:sup>
-                        <m:r>
-                          <a:rPr lang="en-US" altLang="zh-CN" sz="2400" b="0" i="1" smtClean="0">
-                            <a:latin typeface="Cambria Math" panose="02040503050406030204" pitchFamily="18" charset="0"/>
-                          </a:rPr>
-                          <m:t>∗</m:t>
-                        </m:r>
-                      </m:sup>
-                    </m:sSup>
-                    <m:r>
-                      <a:rPr lang="en-US" altLang="zh-CN" sz="2400" b="0" i="1" smtClean="0">
-                        <a:latin typeface="Cambria Math" panose="02040503050406030204" pitchFamily="18" charset="0"/>
-                      </a:rPr>
-                      <m:t>∈</m:t>
-                    </m:r>
-                    <m:r>
-                      <a:rPr lang="en-US" altLang="zh-CN" sz="2400" b="0" i="1" smtClean="0">
-                        <a:latin typeface="Cambria Math" panose="02040503050406030204" pitchFamily="18" charset="0"/>
-                      </a:rPr>
-                      <m:t>𝑖𝑛𝑡</m:t>
-                    </m:r>
-                    <m:r>
-                      <a:rPr lang="en-US" altLang="zh-CN" sz="2400" b="0" i="1" smtClean="0">
-                        <a:latin typeface="Cambria Math" panose="02040503050406030204" pitchFamily="18" charset="0"/>
-                      </a:rPr>
-                      <m:t>(</m:t>
-                    </m:r>
-                    <m:r>
-                      <a:rPr lang="en-US" altLang="zh-CN" sz="2400" b="0" i="1" smtClean="0">
-                        <a:latin typeface="Cambria Math" panose="02040503050406030204" pitchFamily="18" charset="0"/>
-                      </a:rPr>
-                      <m:t>𝒞</m:t>
-                    </m:r>
-                    <m:r>
-                      <a:rPr lang="en-US" altLang="zh-CN" sz="2400" b="0" i="1" smtClean="0">
-                        <a:latin typeface="Cambria Math" panose="02040503050406030204" pitchFamily="18" charset="0"/>
-                      </a:rPr>
-                      <m:t>)</m:t>
-                    </m:r>
-                  </m:oMath>
-                </a14:m>
-                <a:r>
-                  <a:rPr lang="en-US" altLang="zh-CN" sz="2400" dirty="0">
-                    <a:latin typeface="Times New Roman" panose="02020603050405020304" pitchFamily="18" charset="0"/>
-                    <a:cs typeface="Times New Roman" panose="02020603050405020304" pitchFamily="18" charset="0"/>
-                  </a:rPr>
-                  <a:t>. Then there exist a positive definite matrix </a:t>
-                </a:r>
-                <a14:m>
-                  <m:oMath xmlns:m="http://schemas.openxmlformats.org/officeDocument/2006/math">
-                    <m:r>
-                      <a:rPr lang="en-US" altLang="zh-CN" sz="2400" b="0" i="1" smtClean="0">
-                        <a:latin typeface="Cambria Math" panose="02040503050406030204" pitchFamily="18" charset="0"/>
-                      </a:rPr>
-                      <m:t>𝑃</m:t>
-                    </m:r>
-                  </m:oMath>
-                </a14:m>
-                <a:r>
-                  <a:rPr lang="zh-CN" altLang="en-US" sz="2400" dirty="0">
-                    <a:latin typeface="Times New Roman" panose="02020603050405020304" pitchFamily="18" charset="0"/>
-                    <a:cs typeface="Times New Roman" panose="02020603050405020304" pitchFamily="18" charset="0"/>
-                  </a:rPr>
-                  <a:t> </a:t>
-                </a:r>
-                <a:r>
-                  <a:rPr lang="en-US" altLang="zh-CN" sz="2400" dirty="0">
-                    <a:latin typeface="Times New Roman" panose="02020603050405020304" pitchFamily="18" charset="0"/>
-                    <a:cs typeface="Times New Roman" panose="02020603050405020304" pitchFamily="18" charset="0"/>
-                  </a:rPr>
-                  <a:t>and </a:t>
-                </a:r>
-                <a14:m>
-                  <m:oMath xmlns:m="http://schemas.openxmlformats.org/officeDocument/2006/math">
-                    <m:r>
-                      <a:rPr lang="en-US" altLang="zh-CN" sz="2400" b="0" i="1" smtClean="0">
-                        <a:latin typeface="Cambria Math" panose="02040503050406030204" pitchFamily="18" charset="0"/>
-                      </a:rPr>
-                      <m:t>𝛿</m:t>
-                    </m:r>
-                    <m:r>
-                      <a:rPr lang="en-US" altLang="zh-CN" sz="2400" b="0" i="1" smtClean="0">
-                        <a:latin typeface="Cambria Math" panose="02040503050406030204" pitchFamily="18" charset="0"/>
-                      </a:rPr>
-                      <m:t>&gt;0</m:t>
-                    </m:r>
-                  </m:oMath>
-                </a14:m>
-                <a:r>
-                  <a:rPr lang="zh-CN" altLang="en-US" sz="2400" dirty="0">
-                    <a:latin typeface="Times New Roman" panose="02020603050405020304" pitchFamily="18" charset="0"/>
-                    <a:cs typeface="Times New Roman" panose="02020603050405020304" pitchFamily="18" charset="0"/>
-                  </a:rPr>
-                  <a:t> </a:t>
-                </a:r>
-                <a:r>
-                  <a:rPr lang="en-US" altLang="zh-CN" sz="2400" dirty="0">
-                    <a:latin typeface="Times New Roman" panose="02020603050405020304" pitchFamily="18" charset="0"/>
-                    <a:cs typeface="Times New Roman" panose="02020603050405020304" pitchFamily="18" charset="0"/>
-                  </a:rPr>
-                  <a:t>such that the function</a:t>
-                </a:r>
-              </a:p>
-              <a:p>
-                <a:pPr marL="0" indent="0">
-                  <a:lnSpc>
-                    <a:spcPct val="100000"/>
-                  </a:lnSpc>
-                  <a:buNone/>
-                </a:pPr>
-                <a14:m>
-                  <m:oMathPara xmlns:m="http://schemas.openxmlformats.org/officeDocument/2006/math">
-                    <m:oMathParaPr>
-                      <m:jc m:val="centerGroup"/>
-                    </m:oMathParaPr>
-                    <m:oMath xmlns:m="http://schemas.openxmlformats.org/officeDocument/2006/math">
-                      <m:sSub>
-                        <m:sSubPr>
-                          <m:ctrlPr>
-                            <a:rPr lang="en-US" altLang="zh-CN" sz="2400" b="0" i="1" smtClean="0">
-                              <a:latin typeface="Cambria Math" panose="02040503050406030204" pitchFamily="18" charset="0"/>
-                            </a:rPr>
-                          </m:ctrlPr>
-                        </m:sSubPr>
-                        <m:e>
-                          <m:r>
-                            <a:rPr lang="en-US" altLang="zh-CN" sz="2400" b="0" i="1" smtClean="0">
-                              <a:latin typeface="Cambria Math" panose="02040503050406030204" pitchFamily="18" charset="0"/>
-                            </a:rPr>
-                            <m:t>𝑏</m:t>
-                          </m:r>
-                        </m:e>
-                        <m:sub>
-                          <m:r>
-                            <a:rPr lang="en-US" altLang="zh-CN" sz="2400" b="0" i="1" smtClean="0">
-                              <a:latin typeface="Cambria Math" panose="02040503050406030204" pitchFamily="18" charset="0"/>
-                            </a:rPr>
-                            <m:t>0</m:t>
-                          </m:r>
-                        </m:sub>
-                      </m:sSub>
-                      <m:d>
-                        <m:dPr>
-                          <m:ctrlPr>
-                            <a:rPr lang="en-US" altLang="zh-CN" sz="2400" b="0" i="1" smtClean="0">
-                              <a:latin typeface="Cambria Math" panose="02040503050406030204" pitchFamily="18" charset="0"/>
-                            </a:rPr>
-                          </m:ctrlPr>
-                        </m:dPr>
-                        <m:e>
-                          <m:r>
-                            <a:rPr lang="en-US" altLang="zh-CN" sz="2400" b="0" i="1" smtClean="0">
-                              <a:latin typeface="Cambria Math" panose="02040503050406030204" pitchFamily="18" charset="0"/>
-                            </a:rPr>
-                            <m:t>𝑥</m:t>
-                          </m:r>
-                          <m:r>
-                            <a:rPr lang="en-US" altLang="zh-CN" sz="2400" b="0" i="1" smtClean="0">
-                              <a:latin typeface="Cambria Math" panose="02040503050406030204" pitchFamily="18" charset="0"/>
-                            </a:rPr>
-                            <m:t>;</m:t>
-                          </m:r>
-                          <m:sSup>
-                            <m:sSupPr>
-                              <m:ctrlPr>
-                                <a:rPr lang="en-US" altLang="zh-CN" sz="2400" b="0" i="1" smtClean="0">
-                                  <a:latin typeface="Cambria Math" panose="02040503050406030204" pitchFamily="18" charset="0"/>
-                                </a:rPr>
-                              </m:ctrlPr>
-                            </m:sSupPr>
-                            <m:e>
-                              <m:r>
-                                <a:rPr lang="en-US" altLang="zh-CN" sz="2400" b="0" i="1" smtClean="0">
-                                  <a:latin typeface="Cambria Math" panose="02040503050406030204" pitchFamily="18" charset="0"/>
-                                </a:rPr>
-                                <m:t>𝑥</m:t>
-                              </m:r>
-                            </m:e>
-                            <m:sup>
-                              <m:r>
-                                <a:rPr lang="en-US" altLang="zh-CN" sz="2400" b="0" i="1" smtClean="0">
-                                  <a:latin typeface="Cambria Math" panose="02040503050406030204" pitchFamily="18" charset="0"/>
-                                </a:rPr>
-                                <m:t>∗</m:t>
-                              </m:r>
-                            </m:sup>
-                          </m:sSup>
-                        </m:e>
-                      </m:d>
-                      <m:r>
-                        <a:rPr lang="en-US" altLang="zh-CN" sz="2400" b="0" i="1" smtClean="0">
-                          <a:latin typeface="Cambria Math" panose="02040503050406030204" pitchFamily="18" charset="0"/>
-                        </a:rPr>
-                        <m:t>=</m:t>
-                      </m:r>
-                      <m:r>
-                        <a:rPr lang="en-US" altLang="zh-CN" sz="2400" b="0" i="1" smtClean="0">
-                          <a:latin typeface="Cambria Math" panose="02040503050406030204" pitchFamily="18" charset="0"/>
-                        </a:rPr>
-                        <m:t>𝛿</m:t>
-                      </m:r>
-                      <m:r>
-                        <a:rPr lang="en-US" altLang="zh-CN" sz="2400" b="0" i="1" smtClean="0">
-                          <a:latin typeface="Cambria Math" panose="02040503050406030204" pitchFamily="18" charset="0"/>
-                        </a:rPr>
-                        <m:t>−</m:t>
-                      </m:r>
-                      <m:sSup>
-                        <m:sSupPr>
-                          <m:ctrlPr>
-                            <a:rPr lang="en-US" altLang="zh-CN" sz="2400" b="0" i="1" smtClean="0">
-                              <a:latin typeface="Cambria Math" panose="02040503050406030204" pitchFamily="18" charset="0"/>
-                            </a:rPr>
-                          </m:ctrlPr>
-                        </m:sSupPr>
-                        <m:e>
-                          <m:d>
-                            <m:dPr>
-                              <m:ctrlPr>
-                                <a:rPr lang="en-US" altLang="zh-CN" sz="2400" b="0" i="1" smtClean="0">
-                                  <a:latin typeface="Cambria Math" panose="02040503050406030204" pitchFamily="18" charset="0"/>
-                                </a:rPr>
-                              </m:ctrlPr>
-                            </m:dPr>
-                            <m:e>
-                              <m:r>
-                                <a:rPr lang="en-US" altLang="zh-CN" sz="2400" b="0" i="1" smtClean="0">
-                                  <a:latin typeface="Cambria Math" panose="02040503050406030204" pitchFamily="18" charset="0"/>
-                                </a:rPr>
-                                <m:t>𝑥</m:t>
-                              </m:r>
-                              <m:r>
-                                <a:rPr lang="en-US" altLang="zh-CN" sz="2400" b="0" i="1" smtClean="0">
-                                  <a:latin typeface="Cambria Math" panose="02040503050406030204" pitchFamily="18" charset="0"/>
-                                </a:rPr>
-                                <m:t>−</m:t>
-                              </m:r>
-                              <m:sSup>
-                                <m:sSupPr>
-                                  <m:ctrlPr>
-                                    <a:rPr lang="en-US" altLang="zh-CN" sz="2400" b="0" i="1" smtClean="0">
-                                      <a:latin typeface="Cambria Math" panose="02040503050406030204" pitchFamily="18" charset="0"/>
-                                    </a:rPr>
-                                  </m:ctrlPr>
-                                </m:sSupPr>
-                                <m:e>
-                                  <m:r>
-                                    <a:rPr lang="en-US" altLang="zh-CN" sz="2400" b="0" i="1" smtClean="0">
-                                      <a:latin typeface="Cambria Math" panose="02040503050406030204" pitchFamily="18" charset="0"/>
-                                    </a:rPr>
-                                    <m:t>𝑥</m:t>
-                                  </m:r>
-                                </m:e>
-                                <m:sup>
-                                  <m:r>
-                                    <a:rPr lang="en-US" altLang="zh-CN" sz="2400" b="0" i="1" smtClean="0">
-                                      <a:latin typeface="Cambria Math" panose="02040503050406030204" pitchFamily="18" charset="0"/>
-                                    </a:rPr>
-                                    <m:t>∗</m:t>
-                                  </m:r>
-                                </m:sup>
-                              </m:sSup>
-                            </m:e>
-                          </m:d>
-                        </m:e>
-                        <m:sup>
-                          <m:r>
-                            <a:rPr lang="en-US" altLang="zh-CN" sz="2400" b="0" i="1" smtClean="0">
-                              <a:latin typeface="Cambria Math" panose="02040503050406030204" pitchFamily="18" charset="0"/>
-                            </a:rPr>
-                            <m:t>𝑇</m:t>
-                          </m:r>
-                        </m:sup>
-                      </m:sSup>
-                      <m:r>
-                        <a:rPr lang="en-US" altLang="zh-CN" sz="2400" b="0" i="1" smtClean="0">
-                          <a:latin typeface="Cambria Math" panose="02040503050406030204" pitchFamily="18" charset="0"/>
-                        </a:rPr>
-                        <m:t>𝑃</m:t>
-                      </m:r>
-                      <m:d>
-                        <m:dPr>
-                          <m:ctrlPr>
-                            <a:rPr lang="en-US" altLang="zh-CN" sz="2400" b="0" i="1" smtClean="0">
-                              <a:latin typeface="Cambria Math" panose="02040503050406030204" pitchFamily="18" charset="0"/>
-                            </a:rPr>
-                          </m:ctrlPr>
-                        </m:dPr>
-                        <m:e>
-                          <m:r>
-                            <a:rPr lang="en-US" altLang="zh-CN" sz="2400" b="0" i="1" smtClean="0">
-                              <a:latin typeface="Cambria Math" panose="02040503050406030204" pitchFamily="18" charset="0"/>
-                            </a:rPr>
-                            <m:t>𝑥</m:t>
-                          </m:r>
-                          <m:r>
-                            <a:rPr lang="en-US" altLang="zh-CN" sz="2400" b="0" i="1" smtClean="0">
-                              <a:latin typeface="Cambria Math" panose="02040503050406030204" pitchFamily="18" charset="0"/>
-                            </a:rPr>
-                            <m:t>−</m:t>
-                          </m:r>
-                          <m:sSup>
-                            <m:sSupPr>
-                              <m:ctrlPr>
-                                <a:rPr lang="en-US" altLang="zh-CN" sz="2400" b="0" i="1" smtClean="0">
-                                  <a:latin typeface="Cambria Math" panose="02040503050406030204" pitchFamily="18" charset="0"/>
-                                </a:rPr>
-                              </m:ctrlPr>
-                            </m:sSupPr>
-                            <m:e>
-                              <m:r>
-                                <a:rPr lang="en-US" altLang="zh-CN" sz="2400" b="0" i="1" smtClean="0">
-                                  <a:latin typeface="Cambria Math" panose="02040503050406030204" pitchFamily="18" charset="0"/>
-                                </a:rPr>
-                                <m:t>𝑥</m:t>
-                              </m:r>
-                            </m:e>
-                            <m:sup>
-                              <m:r>
-                                <a:rPr lang="en-US" altLang="zh-CN" sz="2400" b="0" i="1" smtClean="0">
-                                  <a:latin typeface="Cambria Math" panose="02040503050406030204" pitchFamily="18" charset="0"/>
-                                </a:rPr>
-                                <m:t>∗</m:t>
-                              </m:r>
-                            </m:sup>
-                          </m:sSup>
-                        </m:e>
-                      </m:d>
-                    </m:oMath>
-                  </m:oMathPara>
-                </a14:m>
-                <a:endParaRPr lang="en-US" altLang="zh-CN" sz="2400" dirty="0">
-                  <a:latin typeface="Times New Roman" panose="02020603050405020304" pitchFamily="18" charset="0"/>
-                  <a:cs typeface="Times New Roman" panose="02020603050405020304" pitchFamily="18" charset="0"/>
-                </a:endParaRPr>
-              </a:p>
-              <a:p>
-                <a:pPr>
-                  <a:lnSpc>
-                    <a:spcPct val="100000"/>
-                  </a:lnSpc>
-                </a:pPr>
-                <a:r>
-                  <a:rPr lang="en-US" altLang="zh-CN" sz="2400" dirty="0">
-                    <a:latin typeface="Times New Roman" panose="02020603050405020304" pitchFamily="18" charset="0"/>
-                    <a:cs typeface="Times New Roman" panose="02020603050405020304" pitchFamily="18" charset="0"/>
-                  </a:rPr>
-                  <a:t>is a CBF with </a:t>
-                </a:r>
-                <a14:m>
-                  <m:oMath xmlns:m="http://schemas.openxmlformats.org/officeDocument/2006/math">
-                    <m:d>
-                      <m:dPr>
-                        <m:begChr m:val="{"/>
-                        <m:endChr m:val="}"/>
-                        <m:ctrlPr>
-                          <a:rPr lang="en-US" altLang="zh-CN" sz="2400" b="0" i="1" smtClean="0">
-                            <a:latin typeface="Cambria Math" panose="02040503050406030204" pitchFamily="18" charset="0"/>
-                          </a:rPr>
-                        </m:ctrlPr>
-                      </m:dPr>
-                      <m:e>
-                        <m:sSub>
-                          <m:sSubPr>
-                            <m:ctrlPr>
-                              <a:rPr lang="en-US" altLang="zh-CN" sz="2400" b="0" i="1" smtClean="0">
-                                <a:latin typeface="Cambria Math" panose="02040503050406030204" pitchFamily="18" charset="0"/>
-                              </a:rPr>
-                            </m:ctrlPr>
-                          </m:sSubPr>
-                          <m:e>
-                            <m:r>
-                              <a:rPr lang="en-US" altLang="zh-CN" sz="2400" b="0" i="1" smtClean="0">
-                                <a:latin typeface="Cambria Math" panose="02040503050406030204" pitchFamily="18" charset="0"/>
-                              </a:rPr>
-                              <m:t>𝑏</m:t>
-                            </m:r>
-                          </m:e>
-                          <m:sub>
-                            <m:r>
-                              <a:rPr lang="en-US" altLang="zh-CN" sz="2400" b="0" i="1" smtClean="0">
-                                <a:latin typeface="Cambria Math" panose="02040503050406030204" pitchFamily="18" charset="0"/>
-                              </a:rPr>
-                              <m:t>0</m:t>
-                            </m:r>
-                          </m:sub>
-                        </m:sSub>
-                        <m:d>
-                          <m:dPr>
-                            <m:ctrlPr>
-                              <a:rPr lang="en-US" altLang="zh-CN" sz="2400" b="0" i="1" smtClean="0">
-                                <a:latin typeface="Cambria Math" panose="02040503050406030204" pitchFamily="18" charset="0"/>
-                              </a:rPr>
-                            </m:ctrlPr>
-                          </m:dPr>
-                          <m:e>
-                            <m:r>
-                              <a:rPr lang="en-US" altLang="zh-CN" sz="2400" b="0" i="1" smtClean="0">
-                                <a:latin typeface="Cambria Math" panose="02040503050406030204" pitchFamily="18" charset="0"/>
-                              </a:rPr>
-                              <m:t>𝑥</m:t>
-                            </m:r>
-                            <m:r>
-                              <a:rPr lang="en-US" altLang="zh-CN" sz="2400" b="0" i="1" smtClean="0">
-                                <a:latin typeface="Cambria Math" panose="02040503050406030204" pitchFamily="18" charset="0"/>
-                              </a:rPr>
-                              <m:t>;</m:t>
-                            </m:r>
-                            <m:sSup>
-                              <m:sSupPr>
-                                <m:ctrlPr>
-                                  <a:rPr lang="en-US" altLang="zh-CN" sz="2400" b="0" i="1" smtClean="0">
-                                    <a:latin typeface="Cambria Math" panose="02040503050406030204" pitchFamily="18" charset="0"/>
-                                  </a:rPr>
-                                </m:ctrlPr>
-                              </m:sSupPr>
-                              <m:e>
-                                <m:r>
-                                  <a:rPr lang="en-US" altLang="zh-CN" sz="2400" b="0" i="1" smtClean="0">
-                                    <a:latin typeface="Cambria Math" panose="02040503050406030204" pitchFamily="18" charset="0"/>
-                                  </a:rPr>
-                                  <m:t>𝑥</m:t>
-                                </m:r>
-                              </m:e>
-                              <m:sup>
-                                <m:r>
-                                  <a:rPr lang="en-US" altLang="zh-CN" sz="2400" b="0" i="1" smtClean="0">
-                                    <a:latin typeface="Cambria Math" panose="02040503050406030204" pitchFamily="18" charset="0"/>
-                                  </a:rPr>
-                                  <m:t>∗</m:t>
-                                </m:r>
-                              </m:sup>
-                            </m:sSup>
-                          </m:e>
-                        </m:d>
-                        <m:r>
-                          <a:rPr lang="en-US" altLang="zh-CN" sz="2400" b="0" i="1" smtClean="0">
-                            <a:latin typeface="Cambria Math" panose="02040503050406030204" pitchFamily="18" charset="0"/>
-                          </a:rPr>
-                          <m:t>≥0</m:t>
-                        </m:r>
-                      </m:e>
-                    </m:d>
-                    <m:r>
-                      <a:rPr lang="en-US" altLang="zh-CN" sz="2400" b="0" i="1" smtClean="0">
-                        <a:latin typeface="Cambria Math" panose="02040503050406030204" pitchFamily="18" charset="0"/>
-                      </a:rPr>
-                      <m:t>⊆</m:t>
-                    </m:r>
-                    <m:r>
-                      <a:rPr lang="en-US" altLang="zh-CN" sz="2400" b="0" i="1" smtClean="0">
-                        <a:latin typeface="Cambria Math" panose="02040503050406030204" pitchFamily="18" charset="0"/>
-                      </a:rPr>
-                      <m:t>𝒞</m:t>
-                    </m:r>
-                  </m:oMath>
-                </a14:m>
-                <a:endParaRPr lang="zh-CN" altLang="en-US" sz="2400" dirty="0">
-                  <a:latin typeface="Times New Roman" panose="02020603050405020304" pitchFamily="18" charset="0"/>
-                  <a:cs typeface="Times New Roman" panose="02020603050405020304" pitchFamily="18" charset="0"/>
-                </a:endParaRPr>
-              </a:p>
-            </p:txBody>
-          </p:sp>
-        </mc:Choice>
-        <mc:Fallback>
-          <p:sp>
-            <p:nvSpPr>
-              <p:cNvPr id="3" name="Content Placeholder 2">
-                <a:extLst>
-                  <a:ext uri="{FF2B5EF4-FFF2-40B4-BE49-F238E27FC236}">
-                    <a16:creationId xmlns:a16="http://schemas.microsoft.com/office/drawing/2014/main" id="{82482E14-9285-4EC3-A943-2B7DB3EC8A1D}"/>
-                  </a:ext>
-                </a:extLst>
-              </p:cNvPr>
-              <p:cNvSpPr>
-                <a:spLocks noGrp="1" noRot="1" noChangeAspect="1" noMove="1" noResize="1" noEditPoints="1" noAdjustHandles="1" noChangeArrowheads="1" noChangeShapeType="1" noTextEdit="1"/>
-              </p:cNvSpPr>
-              <p:nvPr>
-                <p:ph idx="1"/>
-              </p:nvPr>
-            </p:nvSpPr>
-            <p:spPr>
-              <a:blipFill>
-                <a:blip r:embed="rId2"/>
-                <a:stretch>
-                  <a:fillRect l="-812" t="-1120"/>
-                </a:stretch>
-              </a:blipFill>
-            </p:spPr>
-            <p:txBody>
-              <a:bodyPr/>
-              <a:lstStyle/>
-              <a:p>
-                <a:r>
-                  <a:rPr lang="zh-CN" altLang="en-US">
-                    <a:noFill/>
-                  </a:rPr>
-                  <a:t> </a:t>
-                </a:r>
-              </a:p>
-            </p:txBody>
-          </p:sp>
-        </mc:Fallback>
-      </mc:AlternateContent>
-    </p:spTree>
-    <p:extLst>
-      <p:ext uri="{BB962C8B-B14F-4D97-AF65-F5344CB8AC3E}">
-        <p14:creationId xmlns:p14="http://schemas.microsoft.com/office/powerpoint/2010/main" val="450537562"/>
       </p:ext>
     </p:extLst>
   </p:cSld>
@@ -11721,8 +11885,8 @@
           </a:p>
         </p:txBody>
       </p:sp>
-      <mc:AlternateContent xmlns:mc="http://schemas.openxmlformats.org/markup-compatibility/2006">
-        <mc:Choice xmlns:a14="http://schemas.microsoft.com/office/drawing/2010/main" Requires="a14">
+      <mc:AlternateContent xmlns:mc="http://schemas.openxmlformats.org/markup-compatibility/2006" xmlns:a14="http://schemas.microsoft.com/office/drawing/2010/main">
+        <mc:Choice Requires="a14">
           <p:sp>
             <p:nvSpPr>
               <p:cNvPr id="3" name="Content Placeholder 2">
@@ -13155,7 +13319,7 @@
             </p:txBody>
           </p:sp>
         </mc:Choice>
-        <mc:Fallback>
+        <mc:Fallback xmlns="">
           <p:sp>
             <p:nvSpPr>
               <p:cNvPr id="3" name="Content Placeholder 2">

--- a/CBF_verify.pptx
+++ b/CBF_verify.pptx
@@ -5562,25 +5562,34 @@
                             </a:rPr>
                             <m:t>#</m:t>
                           </m:r>
-                          <m:d>
-                            <m:dPr>
-                              <m:ctrlPr>
-                                <a:rPr lang="en-US" altLang="zh-CN" sz="2000" b="0" i="1" dirty="0" smtClean="0">
-                                  <a:latin typeface="Cambria Math" panose="02040503050406030204" pitchFamily="18" charset="0"/>
-                                  <a:cs typeface="Times New Roman" panose="02020603050405020304" pitchFamily="18" charset="0"/>
-                                </a:rPr>
-                              </m:ctrlPr>
-                            </m:dPr>
-                            <m:e>
-                              <m:r>
-                                <a:rPr lang="en-US" altLang="zh-CN" sz="2000" b="0" i="1" dirty="0" smtClean="0">
-                                  <a:latin typeface="Cambria Math" panose="02040503050406030204" pitchFamily="18" charset="0"/>
-                                  <a:cs typeface="Times New Roman" panose="02020603050405020304" pitchFamily="18" charset="0"/>
-                                </a:rPr>
-                                <m:t>1</m:t>
-                              </m:r>
-                            </m:e>
-                          </m:d>
+                          <m:r>
+                            <a:rPr lang="en-US" altLang="zh-CN" sz="2000" b="0" i="1" dirty="0" smtClean="0">
+                              <a:latin typeface="Cambria Math" panose="02040503050406030204" pitchFamily="18" charset="0"/>
+                              <a:cs typeface="Times New Roman" panose="02020603050405020304" pitchFamily="18" charset="0"/>
+                            </a:rPr>
+                            <m:t>#</m:t>
+                          </m:r>
+                          <m:r>
+                            <a:rPr lang="zh-CN" altLang="en-US" sz="2000" i="1" dirty="0">
+                              <a:latin typeface="Cambria Math" panose="02040503050406030204" pitchFamily="18" charset="0"/>
+                              <a:cs typeface="Times New Roman" panose="02020603050405020304" pitchFamily="18" charset="0"/>
+                            </a:rPr>
+                            <m:t>（</m:t>
+                          </m:r>
+                          <m:r>
+                            <a:rPr lang="en-US" altLang="zh-CN" sz="2000" b="0" i="1" dirty="0" smtClean="0">
+                              <a:latin typeface="Cambria Math" panose="02040503050406030204" pitchFamily="18" charset="0"/>
+                              <a:cs typeface="Times New Roman" panose="02020603050405020304" pitchFamily="18" charset="0"/>
+                            </a:rPr>
+                            <m:t>1</m:t>
+                          </m:r>
+                          <m:r>
+                            <a:rPr lang="zh-CN" altLang="en-US" sz="2000" i="1" dirty="0">
+                              <a:latin typeface="Cambria Math" panose="02040503050406030204" pitchFamily="18" charset="0"/>
+                              <a:cs typeface="Times New Roman" panose="02020603050405020304" pitchFamily="18" charset="0"/>
+                            </a:rPr>
+                            <m:t>）</m:t>
+                          </m:r>
                         </m:e>
                       </m:eqArr>
                     </m:oMath>
